--- a/Git.pptx
+++ b/Git.pptx
@@ -6,6 +6,9 @@
   </p:sldMasterIdLst>
   <p:sldIdLst>
     <p:sldId id="256" r:id="rId2"/>
+    <p:sldId id="257" r:id="rId3"/>
+    <p:sldId id="258" r:id="rId4"/>
+    <p:sldId id="261" r:id="rId5"/>
   </p:sldIdLst>
   <p:sldSz cx="12192000" cy="6858000"/>
   <p:notesSz cx="6858000" cy="9144000"/>
@@ -104,7 +107,54 @@
       </a:defRPr>
     </a:lvl9pPr>
   </p:defaultTextStyle>
+  <p:extLst>
+    <p:ext uri="{521415D9-36F7-43E2-AB2F-B90AF26B5E84}">
+      <p14:sectionLst xmlns:p14="http://schemas.microsoft.com/office/powerpoint/2010/main">
+        <p14:section name="Sección predeterminada" id="{0CB4F2FA-FB38-4DD1-B4EE-4DD599EB18D3}">
+          <p14:sldIdLst>
+            <p14:sldId id="256"/>
+            <p14:sldId id="257"/>
+            <p14:sldId id="258"/>
+            <p14:sldId id="261"/>
+          </p14:sldIdLst>
+        </p14:section>
+        <p14:section name="Sección sin título" id="{A27A5E30-B728-42C8-9650-3986059AD4BC}">
+          <p14:sldIdLst/>
+        </p14:section>
+      </p14:sectionLst>
+    </p:ext>
+    <p:ext uri="{EFAFB233-063F-42B5-8137-9DF3F51BA10A}">
+      <p15:sldGuideLst xmlns:p15="http://schemas.microsoft.com/office/powerpoint/2012/main"/>
+    </p:ext>
+  </p:extLst>
 </p:presentation>
+</file>
+
+<file path=ppt/ink/ink1.xml><?xml version="1.0" encoding="utf-8"?>
+<inkml:ink xmlns:inkml="http://www.w3.org/2003/InkML">
+  <inkml:definitions>
+    <inkml:context xml:id="ctx0">
+      <inkml:inkSource xml:id="inkSrc0">
+        <inkml:traceFormat>
+          <inkml:channel name="X" type="integer" min="-2.14748E9" max="2.14748E9" units="cm"/>
+          <inkml:channel name="Y" type="integer" min="-2.14748E9" max="2.14748E9" units="cm"/>
+          <inkml:channel name="F" type="integer" max="32767" units="dev"/>
+        </inkml:traceFormat>
+        <inkml:channelProperties>
+          <inkml:channelProperty channel="X" name="resolution" value="1000" units="1/cm"/>
+          <inkml:channelProperty channel="Y" name="resolution" value="1000" units="1/cm"/>
+          <inkml:channelProperty channel="F" name="resolution" value="0" units="1/dev"/>
+        </inkml:channelProperties>
+      </inkml:inkSource>
+      <inkml:timestamp xml:id="ts0" timeString="2022-11-12T19:18:15.441"/>
+    </inkml:context>
+    <inkml:brush xml:id="br0">
+      <inkml:brushProperty name="width" value="0.05" units="cm"/>
+      <inkml:brushProperty name="height" value="0.05" units="cm"/>
+    </inkml:brush>
+  </inkml:definitions>
+  <inkml:trace contextRef="#ctx0" brushRef="#br0">1 1467 24575,'4'-6'0,"1"-1"0,-1 1 0,0-1 0,0 0 0,-1 0 0,0 0 0,3-13 0,5-10 0,8-13 0,-9 17 0,1 1 0,1 0 0,1 1 0,1 0 0,26-31 0,-25 35 0,0-1 0,-2 0 0,0 0 0,-2-1 0,11-27 0,23-43 0,27-6 0,-64 90 0,0 1 0,0-1 0,1 1 0,0 1 0,1 0 0,-1 0 0,1 1 0,13-5 0,21-13 0,-21 11 0,1 1 0,1 2 0,-1 0 0,1 2 0,1 0 0,-1 2 0,51-4 0,7-3 0,-22 5 0,1 2 0,98 6 0,-45 2 0,-51-3 0,1591 33 0,-1189-16 0,-307-7 0,56 2 0,436 12 0,-561-19 0,1475 15 0,-1036-22 0,-271 13 0,-47 0 0,119-9 0,275 13 0,192-3 0,-493-15 0,283 6 0,616-7 0,-1130 4 0,0-4 0,0-3 0,-1-3 0,75-20 0,-33 5 0,-85 20 0,0 0 0,-1-2 0,0-1 0,42-19 0,18-15 0,-2-4 0,-2-4 0,119-91 0,-175 114 0,-1-2 0,35-47 0,-17 20 0,-29 35 0,-1-1 0,15-30 0,13-19 0,-42 68 0,1 1 0,-1 0 0,0 0 0,1 0 0,0 0 0,-1 0 0,1 0 0,0 0 0,0 1 0,0-1 0,0 1 0,0-1 0,1 1 0,-1 0 0,0 0 0,1 0 0,-1 0 0,0 0 0,1 1 0,-1-1 0,1 1 0,-1-1 0,1 1 0,0 0 0,-1 0 0,1 0 0,-1 0 0,1 1 0,-1-1 0,1 1 0,-1-1 0,1 1 0,3 1 0,5 5 0,-1-1 0,0 2 0,0-1 0,0 1 0,15 18 0,19 13 0,-12-17-57,80 51-594,-29-32-4294,90 25 4337,200 48 1,190 18 359,-563-132 247,833 149 540,-588-122 2700,353-5 1,-495-23-3141,-45 2-99,-1-2 0,86-13 0,-109 5 0,0-2 0,0-1 0,56-29 0,38-15 0,3 14 0,228-41 0,143 12 0,590-7 0,0 60 0,-827 16 0,152-24 0,-204 9 0,385 11 0,-339 9 0,-232-3 0,67-1 0,-1 4 0,145 23 0,-177-14 0,-7-3 0,0 2 0,-1 3 0,-1 2 0,72 32 0,-13 5 0,2-4 0,215 61 0,-273-93 0,-1 3 0,0 2 0,78 45 0,-127-64 7,1 0-1,-1 0 0,-1 1 0,1 0 1,0 0-1,-1 0 0,0 1 1,0 0-1,0-1 0,-1 1 1,1 0-1,-1 1 0,-1-1 1,1 1-1,-1-1 0,0 1 0,3 10 1,-2 3-327,0 1 0,-1 0 1,-3 40-1,1-54 120,0 15-6626</inkml:trace>
+</inkml:ink>
 </file>
 
 <file path=ppt/slideLayouts/slideLayout1.xml><?xml version="1.0" encoding="utf-8"?>
@@ -3344,51 +3394,764 @@
       </p:grpSpPr>
       <p:sp>
         <p:nvSpPr>
-          <p:cNvPr id="2" name="Título 1">
-            <a:extLst>
-              <a:ext uri="{FF2B5EF4-FFF2-40B4-BE49-F238E27FC236}">
-                <a16:creationId xmlns:a16="http://schemas.microsoft.com/office/drawing/2014/main" id="{C95EC9B4-E3ED-82FD-9CC5-1ED5740D6AC2}"/>
-              </a:ext>
-            </a:extLst>
-          </p:cNvPr>
-          <p:cNvSpPr>
-            <a:spLocks noGrp="1"/>
-          </p:cNvSpPr>
-          <p:nvPr>
-            <p:ph type="ctrTitle"/>
-          </p:nvPr>
-        </p:nvSpPr>
-        <p:spPr/>
-        <p:txBody>
-          <a:bodyPr/>
-          <a:lstStyle/>
-          <a:p>
-            <a:endParaRPr lang="es-CO"/>
-          </a:p>
-        </p:txBody>
-      </p:sp>
-      <p:sp>
-        <p:nvSpPr>
-          <p:cNvPr id="3" name="Subtítulo 2">
-            <a:extLst>
-              <a:ext uri="{FF2B5EF4-FFF2-40B4-BE49-F238E27FC236}">
-                <a16:creationId xmlns:a16="http://schemas.microsoft.com/office/drawing/2014/main" id="{014911E6-D447-2A0A-6F50-FE3FB1E5AEAB}"/>
-              </a:ext>
-            </a:extLst>
-          </p:cNvPr>
-          <p:cNvSpPr>
-            <a:spLocks noGrp="1"/>
-          </p:cNvSpPr>
-          <p:nvPr>
-            <p:ph type="subTitle" idx="1"/>
-          </p:nvPr>
-        </p:nvSpPr>
-        <p:spPr/>
-        <p:txBody>
-          <a:bodyPr/>
-          <a:lstStyle/>
-          <a:p>
-            <a:endParaRPr lang="es-CO"/>
+          <p:cNvPr id="5" name="Rectángulo 4">
+            <a:extLst>
+              <a:ext uri="{FF2B5EF4-FFF2-40B4-BE49-F238E27FC236}">
+                <a16:creationId xmlns:a16="http://schemas.microsoft.com/office/drawing/2014/main" id="{B05B2453-973D-E847-E2A0-E5FCEEABBBD9}"/>
+              </a:ext>
+            </a:extLst>
+          </p:cNvPr>
+          <p:cNvSpPr/>
+          <p:nvPr/>
+        </p:nvSpPr>
+        <p:spPr>
+          <a:xfrm>
+            <a:off x="776377" y="886537"/>
+            <a:ext cx="2251494" cy="2829464"/>
+          </a:xfrm>
+          <a:prstGeom prst="rect">
+            <a:avLst/>
+          </a:prstGeom>
+          <a:noFill/>
+          <a:ln w="9525" cap="flat" cmpd="sng" algn="ctr">
+            <a:solidFill>
+              <a:schemeClr val="dk1"/>
+            </a:solidFill>
+            <a:prstDash val="solid"/>
+            <a:round/>
+            <a:headEnd type="none" w="med" len="med"/>
+            <a:tailEnd type="none" w="med" len="med"/>
+          </a:ln>
+        </p:spPr>
+        <p:style>
+          <a:lnRef idx="0">
+            <a:scrgbClr r="0" g="0" b="0"/>
+          </a:lnRef>
+          <a:fillRef idx="0">
+            <a:scrgbClr r="0" g="0" b="0"/>
+          </a:fillRef>
+          <a:effectRef idx="0">
+            <a:scrgbClr r="0" g="0" b="0"/>
+          </a:effectRef>
+          <a:fontRef idx="minor">
+            <a:schemeClr val="dk1"/>
+          </a:fontRef>
+        </p:style>
+        <p:txBody>
+          <a:bodyPr rtlCol="0" anchor="ctr"/>
+          <a:lstStyle/>
+          <a:p>
+            <a:pPr algn="ctr"/>
+            <a:r>
+              <a:rPr lang="en-US" dirty="0" err="1"/>
+              <a:t>Nombre</a:t>
+            </a:r>
+            <a:r>
+              <a:rPr lang="en-US" dirty="0"/>
+              <a:t>: Jonathan Campos</a:t>
+            </a:r>
+          </a:p>
+          <a:p>
+            <a:pPr algn="ctr"/>
+            <a:r>
+              <a:rPr lang="en-US" dirty="0"/>
+              <a:t>Email: </a:t>
+            </a:r>
+            <a:r>
+              <a:rPr lang="en-US" dirty="0">
+                <a:hlinkClick r:id="rId2"/>
+              </a:rPr>
+              <a:t>c222209@hotmail.com</a:t>
+            </a:r>
+            <a:br>
+              <a:rPr lang="en-US" dirty="0"/>
+            </a:br>
+            <a:br>
+              <a:rPr lang="en-US" dirty="0"/>
+            </a:br>
+            <a:br>
+              <a:rPr lang="en-US" dirty="0"/>
+            </a:br>
+            <a:r>
+              <a:rPr lang="en-US" dirty="0" err="1"/>
+              <a:t>Experiencia</a:t>
+            </a:r>
+            <a:r>
+              <a:rPr lang="en-US" dirty="0"/>
+              <a:t> </a:t>
+            </a:r>
+            <a:r>
+              <a:rPr lang="en-US" dirty="0" err="1"/>
+              <a:t>laboral</a:t>
+            </a:r>
+            <a:r>
+              <a:rPr lang="en-US" dirty="0"/>
+              <a:t>:</a:t>
+            </a:r>
+            <a:br>
+              <a:rPr lang="en-US" dirty="0"/>
+            </a:br>
+            <a:br>
+              <a:rPr lang="en-US" dirty="0"/>
+            </a:br>
+            <a:r>
+              <a:rPr lang="en-US" dirty="0" err="1"/>
+              <a:t>Estudios</a:t>
+            </a:r>
+            <a:r>
+              <a:rPr lang="en-US" dirty="0"/>
+              <a:t>:</a:t>
+            </a:r>
+            <a:endParaRPr lang="es-CO" dirty="0"/>
+          </a:p>
+        </p:txBody>
+      </p:sp>
+      <p:sp>
+        <p:nvSpPr>
+          <p:cNvPr id="6" name="CuadroTexto 5">
+            <a:extLst>
+              <a:ext uri="{FF2B5EF4-FFF2-40B4-BE49-F238E27FC236}">
+                <a16:creationId xmlns:a16="http://schemas.microsoft.com/office/drawing/2014/main" id="{F1757393-8554-9C21-12C5-703F78B6F090}"/>
+              </a:ext>
+            </a:extLst>
+          </p:cNvPr>
+          <p:cNvSpPr txBox="1"/>
+          <p:nvPr/>
+        </p:nvSpPr>
+        <p:spPr>
+          <a:xfrm>
+            <a:off x="1555257" y="3810892"/>
+            <a:ext cx="433132" cy="369332"/>
+          </a:xfrm>
+          <a:prstGeom prst="rect">
+            <a:avLst/>
+          </a:prstGeom>
+          <a:noFill/>
+        </p:spPr>
+        <p:txBody>
+          <a:bodyPr wrap="none" rtlCol="0">
+            <a:spAutoFit/>
+          </a:bodyPr>
+          <a:lstStyle/>
+          <a:p>
+            <a:r>
+              <a:rPr lang="en-US" dirty="0"/>
+              <a:t>V1</a:t>
+            </a:r>
+            <a:endParaRPr lang="es-CO" dirty="0"/>
+          </a:p>
+        </p:txBody>
+      </p:sp>
+      <p:sp>
+        <p:nvSpPr>
+          <p:cNvPr id="12" name="Rectángulo 11">
+            <a:extLst>
+              <a:ext uri="{FF2B5EF4-FFF2-40B4-BE49-F238E27FC236}">
+                <a16:creationId xmlns:a16="http://schemas.microsoft.com/office/drawing/2014/main" id="{F96AF511-8115-B457-CE99-5FB39AA0D427}"/>
+              </a:ext>
+            </a:extLst>
+          </p:cNvPr>
+          <p:cNvSpPr/>
+          <p:nvPr/>
+        </p:nvSpPr>
+        <p:spPr>
+          <a:xfrm>
+            <a:off x="3559510" y="852643"/>
+            <a:ext cx="2251494" cy="2752120"/>
+          </a:xfrm>
+          <a:prstGeom prst="rect">
+            <a:avLst/>
+          </a:prstGeom>
+          <a:noFill/>
+          <a:ln w="9525" cap="flat" cmpd="sng" algn="ctr">
+            <a:solidFill>
+              <a:schemeClr val="dk1"/>
+            </a:solidFill>
+            <a:prstDash val="solid"/>
+            <a:round/>
+            <a:headEnd type="none" w="med" len="med"/>
+            <a:tailEnd type="none" w="med" len="med"/>
+          </a:ln>
+        </p:spPr>
+        <p:style>
+          <a:lnRef idx="0">
+            <a:scrgbClr r="0" g="0" b="0"/>
+          </a:lnRef>
+          <a:fillRef idx="0">
+            <a:scrgbClr r="0" g="0" b="0"/>
+          </a:fillRef>
+          <a:effectRef idx="0">
+            <a:scrgbClr r="0" g="0" b="0"/>
+          </a:effectRef>
+          <a:fontRef idx="minor">
+            <a:schemeClr val="dk1"/>
+          </a:fontRef>
+        </p:style>
+        <p:txBody>
+          <a:bodyPr rtlCol="0" anchor="ctr"/>
+          <a:lstStyle/>
+          <a:p>
+            <a:pPr algn="ctr"/>
+            <a:br>
+              <a:rPr lang="en-US" dirty="0"/>
+            </a:br>
+            <a:r>
+              <a:rPr lang="en-US" dirty="0" err="1"/>
+              <a:t>Experiencia</a:t>
+            </a:r>
+            <a:r>
+              <a:rPr lang="en-US" dirty="0"/>
+              <a:t> </a:t>
+            </a:r>
+            <a:r>
+              <a:rPr lang="en-US" dirty="0" err="1"/>
+              <a:t>laboral</a:t>
+            </a:r>
+            <a:r>
+              <a:rPr lang="en-US" dirty="0"/>
+              <a:t>:</a:t>
+            </a:r>
+            <a:br>
+              <a:rPr lang="en-US" dirty="0"/>
+            </a:br>
+            <a:r>
+              <a:rPr lang="en-US" dirty="0"/>
+              <a:t>* </a:t>
+            </a:r>
+            <a:r>
+              <a:rPr lang="en-US" dirty="0" err="1"/>
+              <a:t>Empresa</a:t>
+            </a:r>
+            <a:r>
+              <a:rPr lang="en-US" dirty="0"/>
+              <a:t> 1</a:t>
+            </a:r>
+            <a:br>
+              <a:rPr lang="en-US" dirty="0"/>
+            </a:br>
+            <a:r>
+              <a:rPr lang="en-US" dirty="0" err="1"/>
+              <a:t>Estudios</a:t>
+            </a:r>
+            <a:r>
+              <a:rPr lang="en-US" dirty="0"/>
+              <a:t>:</a:t>
+            </a:r>
+          </a:p>
+          <a:p>
+            <a:pPr algn="ctr"/>
+            <a:r>
+              <a:rPr lang="en-US" dirty="0"/>
+              <a:t>* </a:t>
+            </a:r>
+            <a:r>
+              <a:rPr lang="en-US" dirty="0" err="1"/>
+              <a:t>Estudio</a:t>
+            </a:r>
+            <a:endParaRPr lang="es-CO" dirty="0"/>
+          </a:p>
+        </p:txBody>
+      </p:sp>
+      <p:sp>
+        <p:nvSpPr>
+          <p:cNvPr id="13" name="CuadroTexto 12">
+            <a:extLst>
+              <a:ext uri="{FF2B5EF4-FFF2-40B4-BE49-F238E27FC236}">
+                <a16:creationId xmlns:a16="http://schemas.microsoft.com/office/drawing/2014/main" id="{96AE3D76-710F-08C7-3F20-61B6E6D11099}"/>
+              </a:ext>
+            </a:extLst>
+          </p:cNvPr>
+          <p:cNvSpPr txBox="1"/>
+          <p:nvPr/>
+        </p:nvSpPr>
+        <p:spPr>
+          <a:xfrm>
+            <a:off x="4338390" y="3776998"/>
+            <a:ext cx="433132" cy="369332"/>
+          </a:xfrm>
+          <a:prstGeom prst="rect">
+            <a:avLst/>
+          </a:prstGeom>
+          <a:noFill/>
+        </p:spPr>
+        <p:txBody>
+          <a:bodyPr wrap="none" rtlCol="0">
+            <a:spAutoFit/>
+          </a:bodyPr>
+          <a:lstStyle/>
+          <a:p>
+            <a:r>
+              <a:rPr lang="en-US" dirty="0"/>
+              <a:t>V2</a:t>
+            </a:r>
+            <a:endParaRPr lang="es-CO" dirty="0"/>
+          </a:p>
+        </p:txBody>
+      </p:sp>
+      <p:sp>
+        <p:nvSpPr>
+          <p:cNvPr id="14" name="Rectángulo 13">
+            <a:extLst>
+              <a:ext uri="{FF2B5EF4-FFF2-40B4-BE49-F238E27FC236}">
+                <a16:creationId xmlns:a16="http://schemas.microsoft.com/office/drawing/2014/main" id="{16F83B2F-A4A2-6C43-B43B-256ADE7D0A22}"/>
+              </a:ext>
+            </a:extLst>
+          </p:cNvPr>
+          <p:cNvSpPr/>
+          <p:nvPr/>
+        </p:nvSpPr>
+        <p:spPr>
+          <a:xfrm>
+            <a:off x="6342643" y="836002"/>
+            <a:ext cx="2251494" cy="2752120"/>
+          </a:xfrm>
+          <a:prstGeom prst="rect">
+            <a:avLst/>
+          </a:prstGeom>
+          <a:noFill/>
+          <a:ln w="9525" cap="flat" cmpd="sng" algn="ctr">
+            <a:solidFill>
+              <a:schemeClr val="dk1"/>
+            </a:solidFill>
+            <a:prstDash val="solid"/>
+            <a:round/>
+            <a:headEnd type="none" w="med" len="med"/>
+            <a:tailEnd type="none" w="med" len="med"/>
+          </a:ln>
+        </p:spPr>
+        <p:style>
+          <a:lnRef idx="0">
+            <a:scrgbClr r="0" g="0" b="0"/>
+          </a:lnRef>
+          <a:fillRef idx="0">
+            <a:scrgbClr r="0" g="0" b="0"/>
+          </a:fillRef>
+          <a:effectRef idx="0">
+            <a:scrgbClr r="0" g="0" b="0"/>
+          </a:effectRef>
+          <a:fontRef idx="minor">
+            <a:schemeClr val="dk1"/>
+          </a:fontRef>
+        </p:style>
+        <p:txBody>
+          <a:bodyPr rtlCol="0" anchor="ctr"/>
+          <a:lstStyle/>
+          <a:p>
+            <a:pPr algn="ctr"/>
+            <a:br>
+              <a:rPr lang="en-US" dirty="0"/>
+            </a:br>
+            <a:r>
+              <a:rPr lang="en-US" dirty="0" err="1"/>
+              <a:t>Experiencia</a:t>
+            </a:r>
+            <a:r>
+              <a:rPr lang="en-US" dirty="0"/>
+              <a:t> </a:t>
+            </a:r>
+            <a:r>
+              <a:rPr lang="en-US" dirty="0" err="1"/>
+              <a:t>laboral</a:t>
+            </a:r>
+            <a:r>
+              <a:rPr lang="en-US" dirty="0"/>
+              <a:t>:</a:t>
+            </a:r>
+            <a:br>
+              <a:rPr lang="en-US" dirty="0"/>
+            </a:br>
+            <a:r>
+              <a:rPr lang="en-US" dirty="0"/>
+              <a:t>* </a:t>
+            </a:r>
+            <a:r>
+              <a:rPr lang="en-US" dirty="0" err="1"/>
+              <a:t>Empresa</a:t>
+            </a:r>
+            <a:r>
+              <a:rPr lang="en-US" dirty="0"/>
+              <a:t> 1</a:t>
+            </a:r>
+          </a:p>
+          <a:p>
+            <a:pPr algn="ctr"/>
+            <a:r>
+              <a:rPr lang="en-US" dirty="0"/>
+              <a:t>* </a:t>
+            </a:r>
+            <a:r>
+              <a:rPr lang="en-US" dirty="0" err="1"/>
+              <a:t>Empresa</a:t>
+            </a:r>
+            <a:r>
+              <a:rPr lang="en-US" dirty="0"/>
+              <a:t> 2</a:t>
+            </a:r>
+            <a:br>
+              <a:rPr lang="en-US" dirty="0"/>
+            </a:br>
+            <a:r>
+              <a:rPr lang="en-US" dirty="0" err="1"/>
+              <a:t>Estudios</a:t>
+            </a:r>
+            <a:r>
+              <a:rPr lang="en-US" dirty="0"/>
+              <a:t>:</a:t>
+            </a:r>
+          </a:p>
+          <a:p>
+            <a:pPr marL="285750" indent="-285750" algn="ctr">
+              <a:buFont typeface="Arial" panose="020B0604020202020204" pitchFamily="34" charset="0"/>
+              <a:buChar char="•"/>
+            </a:pPr>
+            <a:r>
+              <a:rPr lang="en-US" dirty="0" err="1"/>
+              <a:t>Estudio</a:t>
+            </a:r>
+            <a:r>
+              <a:rPr lang="en-US" dirty="0"/>
+              <a:t> 1</a:t>
+            </a:r>
+          </a:p>
+          <a:p>
+            <a:pPr marL="285750" indent="-285750" algn="ctr">
+              <a:buFont typeface="Arial" panose="020B0604020202020204" pitchFamily="34" charset="0"/>
+              <a:buChar char="•"/>
+            </a:pPr>
+            <a:r>
+              <a:rPr lang="en-US" dirty="0"/>
+              <a:t>* </a:t>
+            </a:r>
+            <a:r>
+              <a:rPr lang="en-US" dirty="0" err="1"/>
+              <a:t>Estudio</a:t>
+            </a:r>
+            <a:r>
+              <a:rPr lang="en-US" dirty="0"/>
+              <a:t> 2</a:t>
+            </a:r>
+            <a:endParaRPr lang="es-CO" dirty="0"/>
+          </a:p>
+        </p:txBody>
+      </p:sp>
+      <p:sp>
+        <p:nvSpPr>
+          <p:cNvPr id="15" name="CuadroTexto 14">
+            <a:extLst>
+              <a:ext uri="{FF2B5EF4-FFF2-40B4-BE49-F238E27FC236}">
+                <a16:creationId xmlns:a16="http://schemas.microsoft.com/office/drawing/2014/main" id="{0B9BB903-B991-30E5-0873-12D4C230913E}"/>
+              </a:ext>
+            </a:extLst>
+          </p:cNvPr>
+          <p:cNvSpPr txBox="1"/>
+          <p:nvPr/>
+        </p:nvSpPr>
+        <p:spPr>
+          <a:xfrm>
+            <a:off x="7121523" y="3760357"/>
+            <a:ext cx="676788" cy="369332"/>
+          </a:xfrm>
+          <a:prstGeom prst="rect">
+            <a:avLst/>
+          </a:prstGeom>
+          <a:noFill/>
+        </p:spPr>
+        <p:txBody>
+          <a:bodyPr wrap="none" rtlCol="0">
+            <a:spAutoFit/>
+          </a:bodyPr>
+          <a:lstStyle/>
+          <a:p>
+            <a:r>
+              <a:rPr lang="en-US" dirty="0"/>
+              <a:t>Head</a:t>
+            </a:r>
+            <a:endParaRPr lang="es-CO" dirty="0"/>
+          </a:p>
+        </p:txBody>
+      </p:sp>
+      <mc:AlternateContent xmlns:mc="http://schemas.openxmlformats.org/markup-compatibility/2006" xmlns:p14="http://schemas.microsoft.com/office/powerpoint/2010/main">
+        <mc:Choice Requires="p14">
+          <p:contentPart p14:bwMode="auto" r:id="rId3">
+            <p14:nvContentPartPr>
+              <p14:cNvPr id="16" name="Entrada de lápiz 15">
+                <a:extLst>
+                  <a:ext uri="{FF2B5EF4-FFF2-40B4-BE49-F238E27FC236}">
+                    <a16:creationId xmlns:a16="http://schemas.microsoft.com/office/drawing/2014/main" id="{76392FA2-5C7A-019A-79C8-9571C540EEF0}"/>
+                  </a:ext>
+                </a:extLst>
+              </p14:cNvPr>
+              <p14:cNvContentPartPr/>
+              <p14:nvPr/>
+            </p14:nvContentPartPr>
+            <p14:xfrm>
+              <a:off x="603577" y="565376"/>
+              <a:ext cx="8273880" cy="528120"/>
+            </p14:xfrm>
+          </p:contentPart>
+        </mc:Choice>
+        <mc:Fallback xmlns="">
+          <p:pic>
+            <p:nvPicPr>
+              <p:cNvPr id="16" name="Entrada de lápiz 15">
+                <a:extLst>
+                  <a:ext uri="{FF2B5EF4-FFF2-40B4-BE49-F238E27FC236}">
+                    <a16:creationId xmlns:a16="http://schemas.microsoft.com/office/drawing/2014/main" id="{76392FA2-5C7A-019A-79C8-9571C540EEF0}"/>
+                  </a:ext>
+                </a:extLst>
+              </p:cNvPr>
+              <p:cNvPicPr/>
+              <p:nvPr/>
+            </p:nvPicPr>
+            <p:blipFill>
+              <a:blip r:embed="rId4"/>
+              <a:stretch>
+                <a:fillRect/>
+              </a:stretch>
+            </p:blipFill>
+            <p:spPr>
+              <a:xfrm>
+                <a:off x="594937" y="556736"/>
+                <a:ext cx="8291520" cy="545760"/>
+              </a:xfrm>
+              <a:prstGeom prst="rect">
+                <a:avLst/>
+              </a:prstGeom>
+            </p:spPr>
+          </p:pic>
+        </mc:Fallback>
+      </mc:AlternateContent>
+      <p:sp>
+        <p:nvSpPr>
+          <p:cNvPr id="17" name="CuadroTexto 16">
+            <a:extLst>
+              <a:ext uri="{FF2B5EF4-FFF2-40B4-BE49-F238E27FC236}">
+                <a16:creationId xmlns:a16="http://schemas.microsoft.com/office/drawing/2014/main" id="{F9D6243A-91A4-394F-1BA7-6BA6571FAE02}"/>
+              </a:ext>
+            </a:extLst>
+          </p:cNvPr>
+          <p:cNvSpPr txBox="1"/>
+          <p:nvPr/>
+        </p:nvSpPr>
+        <p:spPr>
+          <a:xfrm>
+            <a:off x="4338390" y="23896"/>
+            <a:ext cx="1769111" cy="369332"/>
+          </a:xfrm>
+          <a:prstGeom prst="rect">
+            <a:avLst/>
+          </a:prstGeom>
+          <a:noFill/>
+        </p:spPr>
+        <p:txBody>
+          <a:bodyPr wrap="square" rtlCol="0">
+            <a:spAutoFit/>
+          </a:bodyPr>
+          <a:lstStyle/>
+          <a:p>
+            <a:r>
+              <a:rPr lang="en-US" dirty="0"/>
+              <a:t>Master/ main</a:t>
+            </a:r>
+            <a:endParaRPr lang="es-CO" dirty="0"/>
+          </a:p>
+        </p:txBody>
+      </p:sp>
+      <p:cxnSp>
+        <p:nvCxnSpPr>
+          <p:cNvPr id="19" name="Conector recto de flecha 18">
+            <a:extLst>
+              <a:ext uri="{FF2B5EF4-FFF2-40B4-BE49-F238E27FC236}">
+                <a16:creationId xmlns:a16="http://schemas.microsoft.com/office/drawing/2014/main" id="{409D2818-6071-A517-133A-93AD86DE2116}"/>
+              </a:ext>
+            </a:extLst>
+          </p:cNvPr>
+          <p:cNvCxnSpPr>
+            <a:stCxn id="13" idx="2"/>
+          </p:cNvCxnSpPr>
+          <p:nvPr/>
+        </p:nvCxnSpPr>
+        <p:spPr>
+          <a:xfrm flipH="1">
+            <a:off x="4546121" y="4146330"/>
+            <a:ext cx="8835" cy="580945"/>
+          </a:xfrm>
+          <a:prstGeom prst="straightConnector1">
+            <a:avLst/>
+          </a:prstGeom>
+          <a:ln>
+            <a:tailEnd type="triangle"/>
+          </a:ln>
+        </p:spPr>
+        <p:style>
+          <a:lnRef idx="1">
+            <a:schemeClr val="accent1"/>
+          </a:lnRef>
+          <a:fillRef idx="0">
+            <a:schemeClr val="accent1"/>
+          </a:fillRef>
+          <a:effectRef idx="0">
+            <a:schemeClr val="accent1"/>
+          </a:effectRef>
+          <a:fontRef idx="minor">
+            <a:schemeClr val="tx1"/>
+          </a:fontRef>
+        </p:style>
+      </p:cxnSp>
+      <p:sp>
+        <p:nvSpPr>
+          <p:cNvPr id="20" name="Rectángulo 19">
+            <a:extLst>
+              <a:ext uri="{FF2B5EF4-FFF2-40B4-BE49-F238E27FC236}">
+                <a16:creationId xmlns:a16="http://schemas.microsoft.com/office/drawing/2014/main" id="{9ED2BB87-9FE8-A927-DB3D-067C0C730306}"/>
+              </a:ext>
+            </a:extLst>
+          </p:cNvPr>
+          <p:cNvSpPr/>
+          <p:nvPr/>
+        </p:nvSpPr>
+        <p:spPr>
+          <a:xfrm>
+            <a:off x="3420374" y="5020574"/>
+            <a:ext cx="2251494" cy="1718984"/>
+          </a:xfrm>
+          <a:prstGeom prst="rect">
+            <a:avLst/>
+          </a:prstGeom>
+          <a:noFill/>
+          <a:ln w="9525" cap="flat" cmpd="sng" algn="ctr">
+            <a:solidFill>
+              <a:schemeClr val="dk1"/>
+            </a:solidFill>
+            <a:prstDash val="solid"/>
+            <a:round/>
+            <a:headEnd type="none" w="med" len="med"/>
+            <a:tailEnd type="none" w="med" len="med"/>
+          </a:ln>
+        </p:spPr>
+        <p:style>
+          <a:lnRef idx="0">
+            <a:scrgbClr r="0" g="0" b="0"/>
+          </a:lnRef>
+          <a:fillRef idx="0">
+            <a:scrgbClr r="0" g="0" b="0"/>
+          </a:fillRef>
+          <a:effectRef idx="0">
+            <a:scrgbClr r="0" g="0" b="0"/>
+          </a:effectRef>
+          <a:fontRef idx="minor">
+            <a:schemeClr val="dk1"/>
+          </a:fontRef>
+        </p:style>
+        <p:txBody>
+          <a:bodyPr rtlCol="0" anchor="ctr"/>
+          <a:lstStyle/>
+          <a:p>
+            <a:pPr algn="ctr"/>
+            <a:br>
+              <a:rPr lang="en-US" dirty="0"/>
+            </a:br>
+            <a:r>
+              <a:rPr lang="en-US" dirty="0"/>
+              <a:t>Laboral </a:t>
+            </a:r>
+            <a:r>
+              <a:rPr lang="en-US" dirty="0" err="1"/>
+              <a:t>Exprirences</a:t>
+            </a:r>
+            <a:r>
+              <a:rPr lang="en-US" dirty="0"/>
+              <a:t>:</a:t>
+            </a:r>
+            <a:br>
+              <a:rPr lang="en-US" dirty="0"/>
+            </a:br>
+            <a:r>
+              <a:rPr lang="en-US" dirty="0"/>
+              <a:t>* Job 1</a:t>
+            </a:r>
+            <a:br>
+              <a:rPr lang="en-US" dirty="0"/>
+            </a:br>
+            <a:endParaRPr lang="es-CO" dirty="0"/>
+          </a:p>
+        </p:txBody>
+      </p:sp>
+      <p:cxnSp>
+        <p:nvCxnSpPr>
+          <p:cNvPr id="22" name="Conector recto de flecha 21">
+            <a:extLst>
+              <a:ext uri="{FF2B5EF4-FFF2-40B4-BE49-F238E27FC236}">
+                <a16:creationId xmlns:a16="http://schemas.microsoft.com/office/drawing/2014/main" id="{C9C50E0B-EDB4-0673-06E3-705B86923EE1}"/>
+              </a:ext>
+            </a:extLst>
+          </p:cNvPr>
+          <p:cNvCxnSpPr>
+            <a:stCxn id="20" idx="3"/>
+            <a:endCxn id="15" idx="2"/>
+          </p:cNvCxnSpPr>
+          <p:nvPr/>
+        </p:nvCxnSpPr>
+        <p:spPr>
+          <a:xfrm flipV="1">
+            <a:off x="5671868" y="4129689"/>
+            <a:ext cx="1788049" cy="1750377"/>
+          </a:xfrm>
+          <a:prstGeom prst="straightConnector1">
+            <a:avLst/>
+          </a:prstGeom>
+          <a:ln>
+            <a:tailEnd type="triangle"/>
+          </a:ln>
+        </p:spPr>
+        <p:style>
+          <a:lnRef idx="1">
+            <a:schemeClr val="accent1"/>
+          </a:lnRef>
+          <a:fillRef idx="0">
+            <a:schemeClr val="accent1"/>
+          </a:fillRef>
+          <a:effectRef idx="0">
+            <a:schemeClr val="accent1"/>
+          </a:effectRef>
+          <a:fontRef idx="minor">
+            <a:schemeClr val="tx1"/>
+          </a:fontRef>
+        </p:style>
+      </p:cxnSp>
+      <p:sp>
+        <p:nvSpPr>
+          <p:cNvPr id="23" name="CuadroTexto 22">
+            <a:extLst>
+              <a:ext uri="{FF2B5EF4-FFF2-40B4-BE49-F238E27FC236}">
+                <a16:creationId xmlns:a16="http://schemas.microsoft.com/office/drawing/2014/main" id="{39DD4102-D500-6771-92EA-B3DA227D12F6}"/>
+              </a:ext>
+            </a:extLst>
+          </p:cNvPr>
+          <p:cNvSpPr txBox="1"/>
+          <p:nvPr/>
+        </p:nvSpPr>
+        <p:spPr>
+          <a:xfrm>
+            <a:off x="1892455" y="5604295"/>
+            <a:ext cx="1769111" cy="369332"/>
+          </a:xfrm>
+          <a:prstGeom prst="rect">
+            <a:avLst/>
+          </a:prstGeom>
+          <a:noFill/>
+        </p:spPr>
+        <p:txBody>
+          <a:bodyPr wrap="square" rtlCol="0">
+            <a:spAutoFit/>
+          </a:bodyPr>
+          <a:lstStyle/>
+          <a:p>
+            <a:r>
+              <a:rPr lang="en-US" dirty="0"/>
+              <a:t>English</a:t>
+            </a:r>
+            <a:endParaRPr lang="es-CO" dirty="0"/>
           </a:p>
         </p:txBody>
       </p:sp>
@@ -3396,6 +4159,1794 @@
     <p:extLst>
       <p:ext uri="{BB962C8B-B14F-4D97-AF65-F5344CB8AC3E}">
         <p14:creationId xmlns:p14="http://schemas.microsoft.com/office/powerpoint/2010/main" val="1289311893"/>
+      </p:ext>
+    </p:extLst>
+  </p:cSld>
+  <p:clrMapOvr>
+    <a:masterClrMapping/>
+  </p:clrMapOvr>
+</p:sld>
+</file>
+
+<file path=ppt/slides/slide2.xml><?xml version="1.0" encoding="utf-8"?>
+<p:sld xmlns:a="http://schemas.openxmlformats.org/drawingml/2006/main" xmlns:r="http://schemas.openxmlformats.org/officeDocument/2006/relationships" xmlns:p="http://schemas.openxmlformats.org/presentationml/2006/main">
+  <p:cSld>
+    <p:spTree>
+      <p:nvGrpSpPr>
+        <p:cNvPr id="1" name=""/>
+        <p:cNvGrpSpPr/>
+        <p:nvPr/>
+      </p:nvGrpSpPr>
+      <p:grpSpPr>
+        <a:xfrm>
+          <a:off x="0" y="0"/>
+          <a:ext cx="0" cy="0"/>
+          <a:chOff x="0" y="0"/>
+          <a:chExt cx="0" cy="0"/>
+        </a:xfrm>
+      </p:grpSpPr>
+      <p:pic>
+        <p:nvPicPr>
+          <p:cNvPr id="5" name="Imagen 4" descr="Imagen de la pantalla de un computador&#10;&#10;Descripción generada automáticamente con confianza baja">
+            <a:extLst>
+              <a:ext uri="{FF2B5EF4-FFF2-40B4-BE49-F238E27FC236}">
+                <a16:creationId xmlns:a16="http://schemas.microsoft.com/office/drawing/2014/main" id="{296F63C4-3068-D96C-BEF4-48100277E61F}"/>
+              </a:ext>
+            </a:extLst>
+          </p:cNvPr>
+          <p:cNvPicPr>
+            <a:picLocks noChangeAspect="1"/>
+          </p:cNvPicPr>
+          <p:nvPr/>
+        </p:nvPicPr>
+        <p:blipFill>
+          <a:blip r:embed="rId2">
+            <a:extLst>
+              <a:ext uri="{28A0092B-C50C-407E-A947-70E740481C1C}">
+                <a14:useLocalDpi xmlns:a14="http://schemas.microsoft.com/office/drawing/2010/main" val="0"/>
+              </a:ext>
+              <a:ext uri="{837473B0-CC2E-450A-ABE3-18F120FF3D39}">
+                <a1611:picAttrSrcUrl xmlns:a1611="http://schemas.microsoft.com/office/drawing/2016/11/main" r:id="rId3"/>
+              </a:ext>
+            </a:extLst>
+          </a:blip>
+          <a:stretch>
+            <a:fillRect/>
+          </a:stretch>
+        </p:blipFill>
+        <p:spPr>
+          <a:xfrm>
+            <a:off x="293386" y="3000555"/>
+            <a:ext cx="2147454" cy="3221181"/>
+          </a:xfrm>
+          <a:prstGeom prst="rect">
+            <a:avLst/>
+          </a:prstGeom>
+        </p:spPr>
+      </p:pic>
+      <p:sp>
+        <p:nvSpPr>
+          <p:cNvPr id="6" name="Bocadillo nube: nube 5">
+            <a:extLst>
+              <a:ext uri="{FF2B5EF4-FFF2-40B4-BE49-F238E27FC236}">
+                <a16:creationId xmlns:a16="http://schemas.microsoft.com/office/drawing/2014/main" id="{5721B832-842B-22EE-AEAF-E97E9460D360}"/>
+              </a:ext>
+            </a:extLst>
+          </p:cNvPr>
+          <p:cNvSpPr/>
+          <p:nvPr/>
+        </p:nvSpPr>
+        <p:spPr>
+          <a:xfrm>
+            <a:off x="1759352" y="1517987"/>
+            <a:ext cx="5315528" cy="2115128"/>
+          </a:xfrm>
+          <a:prstGeom prst="cloudCallout">
+            <a:avLst/>
+          </a:prstGeom>
+        </p:spPr>
+        <p:style>
+          <a:lnRef idx="2">
+            <a:schemeClr val="accent1">
+              <a:shade val="50000"/>
+            </a:schemeClr>
+          </a:lnRef>
+          <a:fillRef idx="1">
+            <a:schemeClr val="accent1"/>
+          </a:fillRef>
+          <a:effectRef idx="0">
+            <a:schemeClr val="accent1"/>
+          </a:effectRef>
+          <a:fontRef idx="minor">
+            <a:schemeClr val="lt1"/>
+          </a:fontRef>
+        </p:style>
+        <p:txBody>
+          <a:bodyPr rtlCol="0" anchor="ctr"/>
+          <a:lstStyle/>
+          <a:p>
+            <a:pPr algn="ctr"/>
+            <a:endParaRPr lang="es-CO"/>
+          </a:p>
+        </p:txBody>
+      </p:sp>
+      <p:sp>
+        <p:nvSpPr>
+          <p:cNvPr id="7" name="Cara sonriente 6">
+            <a:extLst>
+              <a:ext uri="{FF2B5EF4-FFF2-40B4-BE49-F238E27FC236}">
+                <a16:creationId xmlns:a16="http://schemas.microsoft.com/office/drawing/2014/main" id="{9D8591E8-454C-58E0-3076-EDA6D6CB06D9}"/>
+              </a:ext>
+            </a:extLst>
+          </p:cNvPr>
+          <p:cNvSpPr/>
+          <p:nvPr/>
+        </p:nvSpPr>
+        <p:spPr>
+          <a:xfrm>
+            <a:off x="8505645" y="636264"/>
+            <a:ext cx="914400" cy="914400"/>
+          </a:xfrm>
+          <a:prstGeom prst="smileyFace">
+            <a:avLst/>
+          </a:prstGeom>
+        </p:spPr>
+        <p:style>
+          <a:lnRef idx="2">
+            <a:schemeClr val="accent1">
+              <a:shade val="50000"/>
+            </a:schemeClr>
+          </a:lnRef>
+          <a:fillRef idx="1">
+            <a:schemeClr val="accent1"/>
+          </a:fillRef>
+          <a:effectRef idx="0">
+            <a:schemeClr val="accent1"/>
+          </a:effectRef>
+          <a:fontRef idx="minor">
+            <a:schemeClr val="lt1"/>
+          </a:fontRef>
+        </p:style>
+        <p:txBody>
+          <a:bodyPr rtlCol="0" anchor="ctr"/>
+          <a:lstStyle/>
+          <a:p>
+            <a:pPr algn="ctr"/>
+            <a:endParaRPr lang="es-CO"/>
+          </a:p>
+        </p:txBody>
+      </p:sp>
+      <p:sp>
+        <p:nvSpPr>
+          <p:cNvPr id="8" name="Cara sonriente 7">
+            <a:extLst>
+              <a:ext uri="{FF2B5EF4-FFF2-40B4-BE49-F238E27FC236}">
+                <a16:creationId xmlns:a16="http://schemas.microsoft.com/office/drawing/2014/main" id="{F1697B11-010E-42D0-A3DE-BDE07986A6A8}"/>
+              </a:ext>
+            </a:extLst>
+          </p:cNvPr>
+          <p:cNvSpPr/>
+          <p:nvPr/>
+        </p:nvSpPr>
+        <p:spPr>
+          <a:xfrm>
+            <a:off x="8658045" y="2086155"/>
+            <a:ext cx="914400" cy="914400"/>
+          </a:xfrm>
+          <a:prstGeom prst="smileyFace">
+            <a:avLst/>
+          </a:prstGeom>
+        </p:spPr>
+        <p:style>
+          <a:lnRef idx="2">
+            <a:schemeClr val="accent1">
+              <a:shade val="50000"/>
+            </a:schemeClr>
+          </a:lnRef>
+          <a:fillRef idx="1">
+            <a:schemeClr val="accent1"/>
+          </a:fillRef>
+          <a:effectRef idx="0">
+            <a:schemeClr val="accent1"/>
+          </a:effectRef>
+          <a:fontRef idx="minor">
+            <a:schemeClr val="lt1"/>
+          </a:fontRef>
+        </p:style>
+        <p:txBody>
+          <a:bodyPr rtlCol="0" anchor="ctr"/>
+          <a:lstStyle/>
+          <a:p>
+            <a:pPr algn="ctr"/>
+            <a:endParaRPr lang="es-CO"/>
+          </a:p>
+        </p:txBody>
+      </p:sp>
+      <p:sp>
+        <p:nvSpPr>
+          <p:cNvPr id="9" name="Cara sonriente 8">
+            <a:extLst>
+              <a:ext uri="{FF2B5EF4-FFF2-40B4-BE49-F238E27FC236}">
+                <a16:creationId xmlns:a16="http://schemas.microsoft.com/office/drawing/2014/main" id="{B44A4FF9-4535-1B13-5B15-6A19C4FE6DE6}"/>
+              </a:ext>
+            </a:extLst>
+          </p:cNvPr>
+          <p:cNvSpPr/>
+          <p:nvPr/>
+        </p:nvSpPr>
+        <p:spPr>
+          <a:xfrm>
+            <a:off x="8658045" y="3536046"/>
+            <a:ext cx="914400" cy="914400"/>
+          </a:xfrm>
+          <a:prstGeom prst="smileyFace">
+            <a:avLst/>
+          </a:prstGeom>
+        </p:spPr>
+        <p:style>
+          <a:lnRef idx="2">
+            <a:schemeClr val="accent1">
+              <a:shade val="50000"/>
+            </a:schemeClr>
+          </a:lnRef>
+          <a:fillRef idx="1">
+            <a:schemeClr val="accent1"/>
+          </a:fillRef>
+          <a:effectRef idx="0">
+            <a:schemeClr val="accent1"/>
+          </a:effectRef>
+          <a:fontRef idx="minor">
+            <a:schemeClr val="lt1"/>
+          </a:fontRef>
+        </p:style>
+        <p:txBody>
+          <a:bodyPr rtlCol="0" anchor="ctr"/>
+          <a:lstStyle/>
+          <a:p>
+            <a:pPr algn="ctr"/>
+            <a:endParaRPr lang="es-CO"/>
+          </a:p>
+        </p:txBody>
+      </p:sp>
+      <p:sp>
+        <p:nvSpPr>
+          <p:cNvPr id="10" name="Cara sonriente 9">
+            <a:extLst>
+              <a:ext uri="{FF2B5EF4-FFF2-40B4-BE49-F238E27FC236}">
+                <a16:creationId xmlns:a16="http://schemas.microsoft.com/office/drawing/2014/main" id="{D89BA3FF-53EE-F1D2-67F4-C5A922362B3C}"/>
+              </a:ext>
+            </a:extLst>
+          </p:cNvPr>
+          <p:cNvSpPr/>
+          <p:nvPr/>
+        </p:nvSpPr>
+        <p:spPr>
+          <a:xfrm>
+            <a:off x="8292860" y="5307336"/>
+            <a:ext cx="914400" cy="914400"/>
+          </a:xfrm>
+          <a:prstGeom prst="smileyFace">
+            <a:avLst/>
+          </a:prstGeom>
+        </p:spPr>
+        <p:style>
+          <a:lnRef idx="2">
+            <a:schemeClr val="accent1">
+              <a:shade val="50000"/>
+            </a:schemeClr>
+          </a:lnRef>
+          <a:fillRef idx="1">
+            <a:schemeClr val="accent1"/>
+          </a:fillRef>
+          <a:effectRef idx="0">
+            <a:schemeClr val="accent1"/>
+          </a:effectRef>
+          <a:fontRef idx="minor">
+            <a:schemeClr val="lt1"/>
+          </a:fontRef>
+        </p:style>
+        <p:txBody>
+          <a:bodyPr rtlCol="0" anchor="ctr"/>
+          <a:lstStyle/>
+          <a:p>
+            <a:pPr algn="ctr"/>
+            <a:endParaRPr lang="es-CO"/>
+          </a:p>
+        </p:txBody>
+      </p:sp>
+      <p:cxnSp>
+        <p:nvCxnSpPr>
+          <p:cNvPr id="12" name="Conector: angular 11">
+            <a:extLst>
+              <a:ext uri="{FF2B5EF4-FFF2-40B4-BE49-F238E27FC236}">
+                <a16:creationId xmlns:a16="http://schemas.microsoft.com/office/drawing/2014/main" id="{15EEF775-7771-832D-0DC9-4BC141531072}"/>
+              </a:ext>
+            </a:extLst>
+          </p:cNvPr>
+          <p:cNvCxnSpPr>
+            <a:stCxn id="7" idx="2"/>
+            <a:endCxn id="6" idx="2"/>
+          </p:cNvCxnSpPr>
+          <p:nvPr/>
+        </p:nvCxnSpPr>
+        <p:spPr>
+          <a:xfrm rot="10800000" flipV="1">
+            <a:off x="7070451" y="1093463"/>
+            <a:ext cx="1435195" cy="1482087"/>
+          </a:xfrm>
+          <a:prstGeom prst="bentConnector3">
+            <a:avLst/>
+          </a:prstGeom>
+          <a:ln>
+            <a:tailEnd type="triangle"/>
+          </a:ln>
+        </p:spPr>
+        <p:style>
+          <a:lnRef idx="1">
+            <a:schemeClr val="accent1"/>
+          </a:lnRef>
+          <a:fillRef idx="0">
+            <a:schemeClr val="accent1"/>
+          </a:fillRef>
+          <a:effectRef idx="0">
+            <a:schemeClr val="accent1"/>
+          </a:effectRef>
+          <a:fontRef idx="minor">
+            <a:schemeClr val="tx1"/>
+          </a:fontRef>
+        </p:style>
+      </p:cxnSp>
+      <p:cxnSp>
+        <p:nvCxnSpPr>
+          <p:cNvPr id="14" name="Conector: angular 13">
+            <a:extLst>
+              <a:ext uri="{FF2B5EF4-FFF2-40B4-BE49-F238E27FC236}">
+                <a16:creationId xmlns:a16="http://schemas.microsoft.com/office/drawing/2014/main" id="{E86BF04C-880F-E6C6-4FAA-AFF147CBA167}"/>
+              </a:ext>
+            </a:extLst>
+          </p:cNvPr>
+          <p:cNvCxnSpPr>
+            <a:stCxn id="8" idx="2"/>
+            <a:endCxn id="6" idx="2"/>
+          </p:cNvCxnSpPr>
+          <p:nvPr/>
+        </p:nvCxnSpPr>
+        <p:spPr>
+          <a:xfrm rot="10800000" flipV="1">
+            <a:off x="7070451" y="2543355"/>
+            <a:ext cx="1587595" cy="32196"/>
+          </a:xfrm>
+          <a:prstGeom prst="bentConnector3">
+            <a:avLst/>
+          </a:prstGeom>
+          <a:ln>
+            <a:tailEnd type="triangle"/>
+          </a:ln>
+        </p:spPr>
+        <p:style>
+          <a:lnRef idx="1">
+            <a:schemeClr val="accent1"/>
+          </a:lnRef>
+          <a:fillRef idx="0">
+            <a:schemeClr val="accent1"/>
+          </a:fillRef>
+          <a:effectRef idx="0">
+            <a:schemeClr val="accent1"/>
+          </a:effectRef>
+          <a:fontRef idx="minor">
+            <a:schemeClr val="tx1"/>
+          </a:fontRef>
+        </p:style>
+      </p:cxnSp>
+      <p:cxnSp>
+        <p:nvCxnSpPr>
+          <p:cNvPr id="16" name="Conector: angular 15">
+            <a:extLst>
+              <a:ext uri="{FF2B5EF4-FFF2-40B4-BE49-F238E27FC236}">
+                <a16:creationId xmlns:a16="http://schemas.microsoft.com/office/drawing/2014/main" id="{00A3CA86-DD9B-19E7-C972-FA8C8EF35AA9}"/>
+              </a:ext>
+            </a:extLst>
+          </p:cNvPr>
+          <p:cNvCxnSpPr>
+            <a:stCxn id="9" idx="2"/>
+            <a:endCxn id="6" idx="2"/>
+          </p:cNvCxnSpPr>
+          <p:nvPr/>
+        </p:nvCxnSpPr>
+        <p:spPr>
+          <a:xfrm rot="10800000">
+            <a:off x="7070451" y="2575552"/>
+            <a:ext cx="1587595" cy="1417695"/>
+          </a:xfrm>
+          <a:prstGeom prst="bentConnector3">
+            <a:avLst/>
+          </a:prstGeom>
+          <a:ln>
+            <a:tailEnd type="triangle"/>
+          </a:ln>
+        </p:spPr>
+        <p:style>
+          <a:lnRef idx="1">
+            <a:schemeClr val="accent1"/>
+          </a:lnRef>
+          <a:fillRef idx="0">
+            <a:schemeClr val="accent1"/>
+          </a:fillRef>
+          <a:effectRef idx="0">
+            <a:schemeClr val="accent1"/>
+          </a:effectRef>
+          <a:fontRef idx="minor">
+            <a:schemeClr val="tx1"/>
+          </a:fontRef>
+        </p:style>
+      </p:cxnSp>
+      <p:cxnSp>
+        <p:nvCxnSpPr>
+          <p:cNvPr id="18" name="Conector: angular 17">
+            <a:extLst>
+              <a:ext uri="{FF2B5EF4-FFF2-40B4-BE49-F238E27FC236}">
+                <a16:creationId xmlns:a16="http://schemas.microsoft.com/office/drawing/2014/main" id="{F7D7C151-05FF-CDFD-9660-EDA462A7E1E8}"/>
+              </a:ext>
+            </a:extLst>
+          </p:cNvPr>
+          <p:cNvCxnSpPr>
+            <a:stCxn id="10" idx="2"/>
+            <a:endCxn id="6" idx="2"/>
+          </p:cNvCxnSpPr>
+          <p:nvPr/>
+        </p:nvCxnSpPr>
+        <p:spPr>
+          <a:xfrm rot="10800000">
+            <a:off x="7070450" y="2575552"/>
+            <a:ext cx="1222410" cy="3188985"/>
+          </a:xfrm>
+          <a:prstGeom prst="bentConnector3">
+            <a:avLst/>
+          </a:prstGeom>
+          <a:ln>
+            <a:tailEnd type="triangle"/>
+          </a:ln>
+        </p:spPr>
+        <p:style>
+          <a:lnRef idx="1">
+            <a:schemeClr val="accent1"/>
+          </a:lnRef>
+          <a:fillRef idx="0">
+            <a:schemeClr val="accent1"/>
+          </a:fillRef>
+          <a:effectRef idx="0">
+            <a:schemeClr val="accent1"/>
+          </a:effectRef>
+          <a:fontRef idx="minor">
+            <a:schemeClr val="tx1"/>
+          </a:fontRef>
+        </p:style>
+      </p:cxnSp>
+      <p:sp>
+        <p:nvSpPr>
+          <p:cNvPr id="19" name="CuadroTexto 18">
+            <a:extLst>
+              <a:ext uri="{FF2B5EF4-FFF2-40B4-BE49-F238E27FC236}">
+                <a16:creationId xmlns:a16="http://schemas.microsoft.com/office/drawing/2014/main" id="{2C4EB949-7F3A-59E0-95A2-F4B4FCCDB24A}"/>
+              </a:ext>
+            </a:extLst>
+          </p:cNvPr>
+          <p:cNvSpPr txBox="1"/>
+          <p:nvPr/>
+        </p:nvSpPr>
+        <p:spPr>
+          <a:xfrm>
+            <a:off x="3157268" y="2218689"/>
+            <a:ext cx="1794294" cy="369332"/>
+          </a:xfrm>
+          <a:prstGeom prst="rect">
+            <a:avLst/>
+          </a:prstGeom>
+          <a:noFill/>
+        </p:spPr>
+        <p:txBody>
+          <a:bodyPr wrap="square" rtlCol="0">
+            <a:spAutoFit/>
+          </a:bodyPr>
+          <a:lstStyle/>
+          <a:p>
+            <a:r>
+              <a:rPr lang="en-US" dirty="0"/>
+              <a:t>GitHub</a:t>
+            </a:r>
+            <a:endParaRPr lang="es-CO" dirty="0"/>
+          </a:p>
+        </p:txBody>
+      </p:sp>
+      <p:sp>
+        <p:nvSpPr>
+          <p:cNvPr id="20" name="CuadroTexto 19">
+            <a:extLst>
+              <a:ext uri="{FF2B5EF4-FFF2-40B4-BE49-F238E27FC236}">
+                <a16:creationId xmlns:a16="http://schemas.microsoft.com/office/drawing/2014/main" id="{A75B4952-2C84-C175-57A6-19EF10E48688}"/>
+              </a:ext>
+            </a:extLst>
+          </p:cNvPr>
+          <p:cNvSpPr txBox="1"/>
+          <p:nvPr/>
+        </p:nvSpPr>
+        <p:spPr>
+          <a:xfrm>
+            <a:off x="2440840" y="4752198"/>
+            <a:ext cx="1794294" cy="369332"/>
+          </a:xfrm>
+          <a:prstGeom prst="rect">
+            <a:avLst/>
+          </a:prstGeom>
+          <a:noFill/>
+        </p:spPr>
+        <p:txBody>
+          <a:bodyPr wrap="square" rtlCol="0">
+            <a:spAutoFit/>
+          </a:bodyPr>
+          <a:lstStyle/>
+          <a:p>
+            <a:r>
+              <a:rPr lang="en-US" dirty="0"/>
+              <a:t>Git</a:t>
+            </a:r>
+            <a:endParaRPr lang="es-CO" dirty="0"/>
+          </a:p>
+        </p:txBody>
+      </p:sp>
+    </p:spTree>
+    <p:extLst>
+      <p:ext uri="{BB962C8B-B14F-4D97-AF65-F5344CB8AC3E}">
+        <p14:creationId xmlns:p14="http://schemas.microsoft.com/office/powerpoint/2010/main" val="23287545"/>
+      </p:ext>
+    </p:extLst>
+  </p:cSld>
+  <p:clrMapOvr>
+    <a:masterClrMapping/>
+  </p:clrMapOvr>
+</p:sld>
+</file>
+
+<file path=ppt/slides/slide3.xml><?xml version="1.0" encoding="utf-8"?>
+<p:sld xmlns:a="http://schemas.openxmlformats.org/drawingml/2006/main" xmlns:r="http://schemas.openxmlformats.org/officeDocument/2006/relationships" xmlns:p="http://schemas.openxmlformats.org/presentationml/2006/main">
+  <p:cSld>
+    <p:spTree>
+      <p:nvGrpSpPr>
+        <p:cNvPr id="1" name=""/>
+        <p:cNvGrpSpPr/>
+        <p:nvPr/>
+      </p:nvGrpSpPr>
+      <p:grpSpPr>
+        <a:xfrm>
+          <a:off x="0" y="0"/>
+          <a:ext cx="0" cy="0"/>
+          <a:chOff x="0" y="0"/>
+          <a:chExt cx="0" cy="0"/>
+        </a:xfrm>
+      </p:grpSpPr>
+      <p:cxnSp>
+        <p:nvCxnSpPr>
+          <p:cNvPr id="5" name="Conector recto de flecha 4">
+            <a:extLst>
+              <a:ext uri="{FF2B5EF4-FFF2-40B4-BE49-F238E27FC236}">
+                <a16:creationId xmlns:a16="http://schemas.microsoft.com/office/drawing/2014/main" id="{DFBA073E-113B-EFC7-7F53-75804715BEA8}"/>
+              </a:ext>
+            </a:extLst>
+          </p:cNvPr>
+          <p:cNvCxnSpPr/>
+          <p:nvPr/>
+        </p:nvCxnSpPr>
+        <p:spPr>
+          <a:xfrm>
+            <a:off x="1708030" y="1293962"/>
+            <a:ext cx="7944928" cy="0"/>
+          </a:xfrm>
+          <a:prstGeom prst="straightConnector1">
+            <a:avLst/>
+          </a:prstGeom>
+          <a:ln>
+            <a:tailEnd type="triangle"/>
+          </a:ln>
+        </p:spPr>
+        <p:style>
+          <a:lnRef idx="1">
+            <a:schemeClr val="accent1"/>
+          </a:lnRef>
+          <a:fillRef idx="0">
+            <a:schemeClr val="accent1"/>
+          </a:fillRef>
+          <a:effectRef idx="0">
+            <a:schemeClr val="accent1"/>
+          </a:effectRef>
+          <a:fontRef idx="minor">
+            <a:schemeClr val="tx1"/>
+          </a:fontRef>
+        </p:style>
+      </p:cxnSp>
+      <p:sp>
+        <p:nvSpPr>
+          <p:cNvPr id="6" name="CuadroTexto 5">
+            <a:extLst>
+              <a:ext uri="{FF2B5EF4-FFF2-40B4-BE49-F238E27FC236}">
+                <a16:creationId xmlns:a16="http://schemas.microsoft.com/office/drawing/2014/main" id="{F2AEDEE3-228E-A4CB-EC34-4DC1054AE9BC}"/>
+              </a:ext>
+            </a:extLst>
+          </p:cNvPr>
+          <p:cNvSpPr txBox="1"/>
+          <p:nvPr/>
+        </p:nvSpPr>
+        <p:spPr>
+          <a:xfrm>
+            <a:off x="4129178" y="924630"/>
+            <a:ext cx="1966822" cy="369332"/>
+          </a:xfrm>
+          <a:prstGeom prst="rect">
+            <a:avLst/>
+          </a:prstGeom>
+          <a:noFill/>
+        </p:spPr>
+        <p:txBody>
+          <a:bodyPr wrap="square" rtlCol="0">
+            <a:spAutoFit/>
+          </a:bodyPr>
+          <a:lstStyle/>
+          <a:p>
+            <a:r>
+              <a:rPr lang="en-US" dirty="0"/>
+              <a:t>Main</a:t>
+            </a:r>
+            <a:endParaRPr lang="es-CO" dirty="0"/>
+          </a:p>
+        </p:txBody>
+      </p:sp>
+      <p:cxnSp>
+        <p:nvCxnSpPr>
+          <p:cNvPr id="8" name="Conector: angular 7">
+            <a:extLst>
+              <a:ext uri="{FF2B5EF4-FFF2-40B4-BE49-F238E27FC236}">
+                <a16:creationId xmlns:a16="http://schemas.microsoft.com/office/drawing/2014/main" id="{FEE3AF2B-79CE-6C6A-34B0-8A2CFA42B298}"/>
+              </a:ext>
+            </a:extLst>
+          </p:cNvPr>
+          <p:cNvCxnSpPr>
+            <a:endCxn id="6" idx="2"/>
+          </p:cNvCxnSpPr>
+          <p:nvPr/>
+        </p:nvCxnSpPr>
+        <p:spPr>
+          <a:xfrm flipV="1">
+            <a:off x="1199072" y="1293962"/>
+            <a:ext cx="3913517" cy="2277374"/>
+          </a:xfrm>
+          <a:prstGeom prst="bentConnector2">
+            <a:avLst/>
+          </a:prstGeom>
+          <a:ln>
+            <a:tailEnd type="triangle"/>
+          </a:ln>
+        </p:spPr>
+        <p:style>
+          <a:lnRef idx="1">
+            <a:schemeClr val="accent1"/>
+          </a:lnRef>
+          <a:fillRef idx="0">
+            <a:schemeClr val="accent1"/>
+          </a:fillRef>
+          <a:effectRef idx="0">
+            <a:schemeClr val="accent1"/>
+          </a:effectRef>
+          <a:fontRef idx="minor">
+            <a:schemeClr val="tx1"/>
+          </a:fontRef>
+        </p:style>
+      </p:cxnSp>
+      <p:sp>
+        <p:nvSpPr>
+          <p:cNvPr id="9" name="Símbolo &quot;No permitido&quot; 8">
+            <a:extLst>
+              <a:ext uri="{FF2B5EF4-FFF2-40B4-BE49-F238E27FC236}">
+                <a16:creationId xmlns:a16="http://schemas.microsoft.com/office/drawing/2014/main" id="{2F0276C3-A3F1-0B30-E469-62787589F9F8}"/>
+              </a:ext>
+            </a:extLst>
+          </p:cNvPr>
+          <p:cNvSpPr/>
+          <p:nvPr/>
+        </p:nvSpPr>
+        <p:spPr>
+          <a:xfrm>
+            <a:off x="4779034" y="2329132"/>
+            <a:ext cx="707366" cy="672860"/>
+          </a:xfrm>
+          <a:prstGeom prst="noSmoking">
+            <a:avLst/>
+          </a:prstGeom>
+          <a:solidFill>
+            <a:srgbClr val="FF0000"/>
+          </a:solidFill>
+          <a:ln>
+            <a:solidFill>
+              <a:schemeClr val="accent1"/>
+            </a:solidFill>
+          </a:ln>
+        </p:spPr>
+        <p:style>
+          <a:lnRef idx="2">
+            <a:schemeClr val="accent1">
+              <a:shade val="50000"/>
+            </a:schemeClr>
+          </a:lnRef>
+          <a:fillRef idx="1">
+            <a:schemeClr val="accent1"/>
+          </a:fillRef>
+          <a:effectRef idx="0">
+            <a:schemeClr val="accent1"/>
+          </a:effectRef>
+          <a:fontRef idx="minor">
+            <a:schemeClr val="lt1"/>
+          </a:fontRef>
+        </p:style>
+        <p:txBody>
+          <a:bodyPr rtlCol="0" anchor="ctr"/>
+          <a:lstStyle/>
+          <a:p>
+            <a:pPr algn="ctr"/>
+            <a:endParaRPr lang="es-CO">
+              <a:solidFill>
+                <a:schemeClr val="tx1"/>
+              </a:solidFill>
+            </a:endParaRPr>
+          </a:p>
+        </p:txBody>
+      </p:sp>
+      <p:cxnSp>
+        <p:nvCxnSpPr>
+          <p:cNvPr id="11" name="Conector recto de flecha 10">
+            <a:extLst>
+              <a:ext uri="{FF2B5EF4-FFF2-40B4-BE49-F238E27FC236}">
+                <a16:creationId xmlns:a16="http://schemas.microsoft.com/office/drawing/2014/main" id="{FF905BF3-F004-BCEA-A17B-DF1C318BBC69}"/>
+              </a:ext>
+            </a:extLst>
+          </p:cNvPr>
+          <p:cNvCxnSpPr/>
+          <p:nvPr/>
+        </p:nvCxnSpPr>
+        <p:spPr>
+          <a:xfrm>
+            <a:off x="1199072" y="4606506"/>
+            <a:ext cx="6280030" cy="0"/>
+          </a:xfrm>
+          <a:prstGeom prst="straightConnector1">
+            <a:avLst/>
+          </a:prstGeom>
+          <a:ln>
+            <a:tailEnd type="triangle"/>
+          </a:ln>
+        </p:spPr>
+        <p:style>
+          <a:lnRef idx="1">
+            <a:schemeClr val="accent1"/>
+          </a:lnRef>
+          <a:fillRef idx="0">
+            <a:schemeClr val="accent1"/>
+          </a:fillRef>
+          <a:effectRef idx="0">
+            <a:schemeClr val="accent1"/>
+          </a:effectRef>
+          <a:fontRef idx="minor">
+            <a:schemeClr val="tx1"/>
+          </a:fontRef>
+        </p:style>
+      </p:cxnSp>
+      <p:sp>
+        <p:nvSpPr>
+          <p:cNvPr id="12" name="CuadroTexto 11">
+            <a:extLst>
+              <a:ext uri="{FF2B5EF4-FFF2-40B4-BE49-F238E27FC236}">
+                <a16:creationId xmlns:a16="http://schemas.microsoft.com/office/drawing/2014/main" id="{67944C73-7C71-21BA-B440-5C0959272901}"/>
+              </a:ext>
+            </a:extLst>
+          </p:cNvPr>
+          <p:cNvSpPr txBox="1"/>
+          <p:nvPr/>
+        </p:nvSpPr>
+        <p:spPr>
+          <a:xfrm>
+            <a:off x="3713672" y="4237173"/>
+            <a:ext cx="1966822" cy="369332"/>
+          </a:xfrm>
+          <a:prstGeom prst="rect">
+            <a:avLst/>
+          </a:prstGeom>
+          <a:noFill/>
+        </p:spPr>
+        <p:txBody>
+          <a:bodyPr wrap="square" rtlCol="0">
+            <a:spAutoFit/>
+          </a:bodyPr>
+          <a:lstStyle/>
+          <a:p>
+            <a:r>
+              <a:rPr lang="en-US" dirty="0"/>
+              <a:t>Master</a:t>
+            </a:r>
+            <a:endParaRPr lang="es-CO" dirty="0"/>
+          </a:p>
+        </p:txBody>
+      </p:sp>
+      <p:cxnSp>
+        <p:nvCxnSpPr>
+          <p:cNvPr id="14" name="Conector: angular 13">
+            <a:extLst>
+              <a:ext uri="{FF2B5EF4-FFF2-40B4-BE49-F238E27FC236}">
+                <a16:creationId xmlns:a16="http://schemas.microsoft.com/office/drawing/2014/main" id="{7A4E9C88-0943-8FB1-0763-C6B7D2413EB6}"/>
+              </a:ext>
+            </a:extLst>
+          </p:cNvPr>
+          <p:cNvCxnSpPr/>
+          <p:nvPr/>
+        </p:nvCxnSpPr>
+        <p:spPr>
+          <a:xfrm rot="5400000" flipH="1" flipV="1">
+            <a:off x="6909759" y="1863306"/>
+            <a:ext cx="3312543" cy="2173856"/>
+          </a:xfrm>
+          <a:prstGeom prst="bentConnector3">
+            <a:avLst/>
+          </a:prstGeom>
+          <a:ln>
+            <a:tailEnd type="triangle"/>
+          </a:ln>
+        </p:spPr>
+        <p:style>
+          <a:lnRef idx="1">
+            <a:schemeClr val="accent1"/>
+          </a:lnRef>
+          <a:fillRef idx="0">
+            <a:schemeClr val="accent1"/>
+          </a:fillRef>
+          <a:effectRef idx="0">
+            <a:schemeClr val="accent1"/>
+          </a:effectRef>
+          <a:fontRef idx="minor">
+            <a:schemeClr val="tx1"/>
+          </a:fontRef>
+        </p:style>
+      </p:cxnSp>
+    </p:spTree>
+    <p:extLst>
+      <p:ext uri="{BB962C8B-B14F-4D97-AF65-F5344CB8AC3E}">
+        <p14:creationId xmlns:p14="http://schemas.microsoft.com/office/powerpoint/2010/main" val="1252386047"/>
+      </p:ext>
+    </p:extLst>
+  </p:cSld>
+  <p:clrMapOvr>
+    <a:masterClrMapping/>
+  </p:clrMapOvr>
+</p:sld>
+</file>
+
+<file path=ppt/slides/slide4.xml><?xml version="1.0" encoding="utf-8"?>
+<p:sld xmlns:a="http://schemas.openxmlformats.org/drawingml/2006/main" xmlns:r="http://schemas.openxmlformats.org/officeDocument/2006/relationships" xmlns:p="http://schemas.openxmlformats.org/presentationml/2006/main">
+  <p:cSld>
+    <p:spTree>
+      <p:nvGrpSpPr>
+        <p:cNvPr id="1" name=""/>
+        <p:cNvGrpSpPr/>
+        <p:nvPr/>
+      </p:nvGrpSpPr>
+      <p:grpSpPr>
+        <a:xfrm>
+          <a:off x="0" y="0"/>
+          <a:ext cx="0" cy="0"/>
+          <a:chOff x="0" y="0"/>
+          <a:chExt cx="0" cy="0"/>
+        </a:xfrm>
+      </p:grpSpPr>
+      <p:graphicFrame>
+        <p:nvGraphicFramePr>
+          <p:cNvPr id="5" name="Tabla 5">
+            <a:extLst>
+              <a:ext uri="{FF2B5EF4-FFF2-40B4-BE49-F238E27FC236}">
+                <a16:creationId xmlns:a16="http://schemas.microsoft.com/office/drawing/2014/main" id="{14C2ACA2-E106-CA02-787A-D79A4E585167}"/>
+              </a:ext>
+            </a:extLst>
+          </p:cNvPr>
+          <p:cNvGraphicFramePr>
+            <a:graphicFrameLocks noGrp="1"/>
+          </p:cNvGraphicFramePr>
+          <p:nvPr>
+            <p:extLst>
+              <p:ext uri="{D42A27DB-BD31-4B8C-83A1-F6EECF244321}">
+                <p14:modId xmlns:p14="http://schemas.microsoft.com/office/powerpoint/2010/main" val="1690929780"/>
+              </p:ext>
+            </p:extLst>
+          </p:nvPr>
+        </p:nvGraphicFramePr>
+        <p:xfrm>
+          <a:off x="341222" y="711039"/>
+          <a:ext cx="2134560" cy="2601504"/>
+        </p:xfrm>
+        <a:graphic>
+          <a:graphicData uri="http://schemas.openxmlformats.org/drawingml/2006/table">
+            <a:tbl>
+              <a:tblPr firstRow="1" bandRow="1">
+                <a:tableStyleId>{5C22544A-7EE6-4342-B048-85BDC9FD1C3A}</a:tableStyleId>
+              </a:tblPr>
+              <a:tblGrid>
+                <a:gridCol w="533640">
+                  <a:extLst>
+                    <a:ext uri="{9D8B030D-6E8A-4147-A177-3AD203B41FA5}">
+                      <a16:colId xmlns:a16="http://schemas.microsoft.com/office/drawing/2014/main" val="333063217"/>
+                    </a:ext>
+                  </a:extLst>
+                </a:gridCol>
+                <a:gridCol w="533640">
+                  <a:extLst>
+                    <a:ext uri="{9D8B030D-6E8A-4147-A177-3AD203B41FA5}">
+                      <a16:colId xmlns:a16="http://schemas.microsoft.com/office/drawing/2014/main" val="3462697762"/>
+                    </a:ext>
+                  </a:extLst>
+                </a:gridCol>
+                <a:gridCol w="533640">
+                  <a:extLst>
+                    <a:ext uri="{9D8B030D-6E8A-4147-A177-3AD203B41FA5}">
+                      <a16:colId xmlns:a16="http://schemas.microsoft.com/office/drawing/2014/main" val="3485560915"/>
+                    </a:ext>
+                  </a:extLst>
+                </a:gridCol>
+                <a:gridCol w="533640">
+                  <a:extLst>
+                    <a:ext uri="{9D8B030D-6E8A-4147-A177-3AD203B41FA5}">
+                      <a16:colId xmlns:a16="http://schemas.microsoft.com/office/drawing/2014/main" val="673033031"/>
+                    </a:ext>
+                  </a:extLst>
+                </a:gridCol>
+              </a:tblGrid>
+              <a:tr h="650376">
+                <a:tc>
+                  <a:txBody>
+                    <a:bodyPr/>
+                    <a:lstStyle/>
+                    <a:p>
+                      <a:endParaRPr lang="es-CO"/>
+                    </a:p>
+                  </a:txBody>
+                  <a:tcPr/>
+                </a:tc>
+                <a:tc>
+                  <a:txBody>
+                    <a:bodyPr/>
+                    <a:lstStyle/>
+                    <a:p>
+                      <a:endParaRPr lang="es-CO"/>
+                    </a:p>
+                  </a:txBody>
+                  <a:tcPr/>
+                </a:tc>
+                <a:tc>
+                  <a:txBody>
+                    <a:bodyPr/>
+                    <a:lstStyle/>
+                    <a:p>
+                      <a:endParaRPr lang="es-CO"/>
+                    </a:p>
+                  </a:txBody>
+                  <a:tcPr/>
+                </a:tc>
+                <a:tc>
+                  <a:txBody>
+                    <a:bodyPr/>
+                    <a:lstStyle/>
+                    <a:p>
+                      <a:endParaRPr lang="es-CO"/>
+                    </a:p>
+                  </a:txBody>
+                  <a:tcPr/>
+                </a:tc>
+                <a:extLst>
+                  <a:ext uri="{0D108BD9-81ED-4DB2-BD59-A6C34878D82A}">
+                    <a16:rowId xmlns:a16="http://schemas.microsoft.com/office/drawing/2014/main" val="2845409024"/>
+                  </a:ext>
+                </a:extLst>
+              </a:tr>
+              <a:tr h="650376">
+                <a:tc>
+                  <a:txBody>
+                    <a:bodyPr/>
+                    <a:lstStyle/>
+                    <a:p>
+                      <a:endParaRPr lang="es-CO"/>
+                    </a:p>
+                  </a:txBody>
+                  <a:tcPr/>
+                </a:tc>
+                <a:tc>
+                  <a:txBody>
+                    <a:bodyPr/>
+                    <a:lstStyle/>
+                    <a:p>
+                      <a:endParaRPr lang="es-CO"/>
+                    </a:p>
+                  </a:txBody>
+                  <a:tcPr/>
+                </a:tc>
+                <a:tc>
+                  <a:txBody>
+                    <a:bodyPr/>
+                    <a:lstStyle/>
+                    <a:p>
+                      <a:endParaRPr lang="es-CO"/>
+                    </a:p>
+                  </a:txBody>
+                  <a:tcPr/>
+                </a:tc>
+                <a:tc>
+                  <a:txBody>
+                    <a:bodyPr/>
+                    <a:lstStyle/>
+                    <a:p>
+                      <a:endParaRPr lang="es-CO"/>
+                    </a:p>
+                  </a:txBody>
+                  <a:tcPr/>
+                </a:tc>
+                <a:extLst>
+                  <a:ext uri="{0D108BD9-81ED-4DB2-BD59-A6C34878D82A}">
+                    <a16:rowId xmlns:a16="http://schemas.microsoft.com/office/drawing/2014/main" val="1543756259"/>
+                  </a:ext>
+                </a:extLst>
+              </a:tr>
+              <a:tr h="650376">
+                <a:tc>
+                  <a:txBody>
+                    <a:bodyPr/>
+                    <a:lstStyle/>
+                    <a:p>
+                      <a:endParaRPr lang="es-CO"/>
+                    </a:p>
+                  </a:txBody>
+                  <a:tcPr/>
+                </a:tc>
+                <a:tc>
+                  <a:txBody>
+                    <a:bodyPr/>
+                    <a:lstStyle/>
+                    <a:p>
+                      <a:endParaRPr lang="es-CO"/>
+                    </a:p>
+                  </a:txBody>
+                  <a:tcPr/>
+                </a:tc>
+                <a:tc>
+                  <a:txBody>
+                    <a:bodyPr/>
+                    <a:lstStyle/>
+                    <a:p>
+                      <a:endParaRPr lang="es-CO"/>
+                    </a:p>
+                  </a:txBody>
+                  <a:tcPr/>
+                </a:tc>
+                <a:tc>
+                  <a:txBody>
+                    <a:bodyPr/>
+                    <a:lstStyle/>
+                    <a:p>
+                      <a:endParaRPr lang="es-CO"/>
+                    </a:p>
+                  </a:txBody>
+                  <a:tcPr/>
+                </a:tc>
+                <a:extLst>
+                  <a:ext uri="{0D108BD9-81ED-4DB2-BD59-A6C34878D82A}">
+                    <a16:rowId xmlns:a16="http://schemas.microsoft.com/office/drawing/2014/main" val="904532368"/>
+                  </a:ext>
+                </a:extLst>
+              </a:tr>
+              <a:tr h="650376">
+                <a:tc>
+                  <a:txBody>
+                    <a:bodyPr/>
+                    <a:lstStyle/>
+                    <a:p>
+                      <a:endParaRPr lang="es-CO"/>
+                    </a:p>
+                  </a:txBody>
+                  <a:tcPr/>
+                </a:tc>
+                <a:tc>
+                  <a:txBody>
+                    <a:bodyPr/>
+                    <a:lstStyle/>
+                    <a:p>
+                      <a:endParaRPr lang="es-CO"/>
+                    </a:p>
+                  </a:txBody>
+                  <a:tcPr/>
+                </a:tc>
+                <a:tc>
+                  <a:txBody>
+                    <a:bodyPr/>
+                    <a:lstStyle/>
+                    <a:p>
+                      <a:endParaRPr lang="es-CO"/>
+                    </a:p>
+                  </a:txBody>
+                  <a:tcPr/>
+                </a:tc>
+                <a:tc>
+                  <a:txBody>
+                    <a:bodyPr/>
+                    <a:lstStyle/>
+                    <a:p>
+                      <a:endParaRPr lang="es-CO" dirty="0"/>
+                    </a:p>
+                  </a:txBody>
+                  <a:tcPr/>
+                </a:tc>
+                <a:extLst>
+                  <a:ext uri="{0D108BD9-81ED-4DB2-BD59-A6C34878D82A}">
+                    <a16:rowId xmlns:a16="http://schemas.microsoft.com/office/drawing/2014/main" val="1518938096"/>
+                  </a:ext>
+                </a:extLst>
+              </a:tr>
+            </a:tbl>
+          </a:graphicData>
+        </a:graphic>
+      </p:graphicFrame>
+      <p:graphicFrame>
+        <p:nvGraphicFramePr>
+          <p:cNvPr id="7" name="Tabla 7">
+            <a:extLst>
+              <a:ext uri="{FF2B5EF4-FFF2-40B4-BE49-F238E27FC236}">
+                <a16:creationId xmlns:a16="http://schemas.microsoft.com/office/drawing/2014/main" id="{2CFE1B90-DEF4-4FD4-936B-125269735392}"/>
+              </a:ext>
+            </a:extLst>
+          </p:cNvPr>
+          <p:cNvGraphicFramePr>
+            <a:graphicFrameLocks noGrp="1"/>
+          </p:cNvGraphicFramePr>
+          <p:nvPr>
+            <p:extLst>
+              <p:ext uri="{D42A27DB-BD31-4B8C-83A1-F6EECF244321}">
+                <p14:modId xmlns:p14="http://schemas.microsoft.com/office/powerpoint/2010/main" val="2036057245"/>
+              </p:ext>
+            </p:extLst>
+          </p:nvPr>
+        </p:nvGraphicFramePr>
+        <p:xfrm>
+          <a:off x="4261447" y="711038"/>
+          <a:ext cx="2134560" cy="2717960"/>
+        </p:xfrm>
+        <a:graphic>
+          <a:graphicData uri="http://schemas.openxmlformats.org/drawingml/2006/table">
+            <a:tbl>
+              <a:tblPr firstRow="1" bandRow="1">
+                <a:tableStyleId>{5C22544A-7EE6-4342-B048-85BDC9FD1C3A}</a:tableStyleId>
+              </a:tblPr>
+              <a:tblGrid>
+                <a:gridCol w="1067280">
+                  <a:extLst>
+                    <a:ext uri="{9D8B030D-6E8A-4147-A177-3AD203B41FA5}">
+                      <a16:colId xmlns:a16="http://schemas.microsoft.com/office/drawing/2014/main" val="2450919717"/>
+                    </a:ext>
+                  </a:extLst>
+                </a:gridCol>
+                <a:gridCol w="1067280">
+                  <a:extLst>
+                    <a:ext uri="{9D8B030D-6E8A-4147-A177-3AD203B41FA5}">
+                      <a16:colId xmlns:a16="http://schemas.microsoft.com/office/drawing/2014/main" val="2023914010"/>
+                    </a:ext>
+                  </a:extLst>
+                </a:gridCol>
+              </a:tblGrid>
+              <a:tr h="543592">
+                <a:tc>
+                  <a:txBody>
+                    <a:bodyPr/>
+                    <a:lstStyle/>
+                    <a:p>
+                      <a:endParaRPr lang="es-CO"/>
+                    </a:p>
+                  </a:txBody>
+                  <a:tcPr/>
+                </a:tc>
+                <a:tc>
+                  <a:txBody>
+                    <a:bodyPr/>
+                    <a:lstStyle/>
+                    <a:p>
+                      <a:endParaRPr lang="es-CO"/>
+                    </a:p>
+                  </a:txBody>
+                  <a:tcPr/>
+                </a:tc>
+                <a:extLst>
+                  <a:ext uri="{0D108BD9-81ED-4DB2-BD59-A6C34878D82A}">
+                    <a16:rowId xmlns:a16="http://schemas.microsoft.com/office/drawing/2014/main" val="903633411"/>
+                  </a:ext>
+                </a:extLst>
+              </a:tr>
+              <a:tr h="543592">
+                <a:tc>
+                  <a:txBody>
+                    <a:bodyPr/>
+                    <a:lstStyle/>
+                    <a:p>
+                      <a:endParaRPr lang="es-CO"/>
+                    </a:p>
+                  </a:txBody>
+                  <a:tcPr/>
+                </a:tc>
+                <a:tc>
+                  <a:txBody>
+                    <a:bodyPr/>
+                    <a:lstStyle/>
+                    <a:p>
+                      <a:endParaRPr lang="es-CO"/>
+                    </a:p>
+                  </a:txBody>
+                  <a:tcPr/>
+                </a:tc>
+                <a:extLst>
+                  <a:ext uri="{0D108BD9-81ED-4DB2-BD59-A6C34878D82A}">
+                    <a16:rowId xmlns:a16="http://schemas.microsoft.com/office/drawing/2014/main" val="3562331651"/>
+                  </a:ext>
+                </a:extLst>
+              </a:tr>
+              <a:tr h="543592">
+                <a:tc>
+                  <a:txBody>
+                    <a:bodyPr/>
+                    <a:lstStyle/>
+                    <a:p>
+                      <a:endParaRPr lang="es-CO"/>
+                    </a:p>
+                  </a:txBody>
+                  <a:tcPr/>
+                </a:tc>
+                <a:tc>
+                  <a:txBody>
+                    <a:bodyPr/>
+                    <a:lstStyle/>
+                    <a:p>
+                      <a:endParaRPr lang="es-CO"/>
+                    </a:p>
+                  </a:txBody>
+                  <a:tcPr/>
+                </a:tc>
+                <a:extLst>
+                  <a:ext uri="{0D108BD9-81ED-4DB2-BD59-A6C34878D82A}">
+                    <a16:rowId xmlns:a16="http://schemas.microsoft.com/office/drawing/2014/main" val="2381220157"/>
+                  </a:ext>
+                </a:extLst>
+              </a:tr>
+              <a:tr h="543592">
+                <a:tc>
+                  <a:txBody>
+                    <a:bodyPr/>
+                    <a:lstStyle/>
+                    <a:p>
+                      <a:endParaRPr lang="es-CO"/>
+                    </a:p>
+                  </a:txBody>
+                  <a:tcPr/>
+                </a:tc>
+                <a:tc>
+                  <a:txBody>
+                    <a:bodyPr/>
+                    <a:lstStyle/>
+                    <a:p>
+                      <a:endParaRPr lang="es-CO"/>
+                    </a:p>
+                  </a:txBody>
+                  <a:tcPr/>
+                </a:tc>
+                <a:extLst>
+                  <a:ext uri="{0D108BD9-81ED-4DB2-BD59-A6C34878D82A}">
+                    <a16:rowId xmlns:a16="http://schemas.microsoft.com/office/drawing/2014/main" val="2017795479"/>
+                  </a:ext>
+                </a:extLst>
+              </a:tr>
+              <a:tr h="543592">
+                <a:tc>
+                  <a:txBody>
+                    <a:bodyPr/>
+                    <a:lstStyle/>
+                    <a:p>
+                      <a:endParaRPr lang="es-CO"/>
+                    </a:p>
+                  </a:txBody>
+                  <a:tcPr/>
+                </a:tc>
+                <a:tc>
+                  <a:txBody>
+                    <a:bodyPr/>
+                    <a:lstStyle/>
+                    <a:p>
+                      <a:endParaRPr lang="es-CO" dirty="0"/>
+                    </a:p>
+                  </a:txBody>
+                  <a:tcPr/>
+                </a:tc>
+                <a:extLst>
+                  <a:ext uri="{0D108BD9-81ED-4DB2-BD59-A6C34878D82A}">
+                    <a16:rowId xmlns:a16="http://schemas.microsoft.com/office/drawing/2014/main" val="489819087"/>
+                  </a:ext>
+                </a:extLst>
+              </a:tr>
+            </a:tbl>
+          </a:graphicData>
+        </a:graphic>
+      </p:graphicFrame>
+      <p:graphicFrame>
+        <p:nvGraphicFramePr>
+          <p:cNvPr id="8" name="Tabla 8">
+            <a:extLst>
+              <a:ext uri="{FF2B5EF4-FFF2-40B4-BE49-F238E27FC236}">
+                <a16:creationId xmlns:a16="http://schemas.microsoft.com/office/drawing/2014/main" id="{097EEC3E-A6BB-6888-6B20-301E85BA02B4}"/>
+              </a:ext>
+            </a:extLst>
+          </p:cNvPr>
+          <p:cNvGraphicFramePr>
+            <a:graphicFrameLocks noGrp="1"/>
+          </p:cNvGraphicFramePr>
+          <p:nvPr>
+            <p:extLst>
+              <p:ext uri="{D42A27DB-BD31-4B8C-83A1-F6EECF244321}">
+                <p14:modId xmlns:p14="http://schemas.microsoft.com/office/powerpoint/2010/main" val="207820053"/>
+              </p:ext>
+            </p:extLst>
+          </p:nvPr>
+        </p:nvGraphicFramePr>
+        <p:xfrm>
+          <a:off x="1408502" y="4460238"/>
+          <a:ext cx="4256658" cy="1483360"/>
+        </p:xfrm>
+        <a:graphic>
+          <a:graphicData uri="http://schemas.openxmlformats.org/drawingml/2006/table">
+            <a:tbl>
+              <a:tblPr firstRow="1" bandRow="1">
+                <a:tableStyleId>{5C22544A-7EE6-4342-B048-85BDC9FD1C3A}</a:tableStyleId>
+              </a:tblPr>
+              <a:tblGrid>
+                <a:gridCol w="709443">
+                  <a:extLst>
+                    <a:ext uri="{9D8B030D-6E8A-4147-A177-3AD203B41FA5}">
+                      <a16:colId xmlns:a16="http://schemas.microsoft.com/office/drawing/2014/main" val="2899199306"/>
+                    </a:ext>
+                  </a:extLst>
+                </a:gridCol>
+                <a:gridCol w="709443">
+                  <a:extLst>
+                    <a:ext uri="{9D8B030D-6E8A-4147-A177-3AD203B41FA5}">
+                      <a16:colId xmlns:a16="http://schemas.microsoft.com/office/drawing/2014/main" val="2572395927"/>
+                    </a:ext>
+                  </a:extLst>
+                </a:gridCol>
+                <a:gridCol w="709443">
+                  <a:extLst>
+                    <a:ext uri="{9D8B030D-6E8A-4147-A177-3AD203B41FA5}">
+                      <a16:colId xmlns:a16="http://schemas.microsoft.com/office/drawing/2014/main" val="1504015784"/>
+                    </a:ext>
+                  </a:extLst>
+                </a:gridCol>
+                <a:gridCol w="709443">
+                  <a:extLst>
+                    <a:ext uri="{9D8B030D-6E8A-4147-A177-3AD203B41FA5}">
+                      <a16:colId xmlns:a16="http://schemas.microsoft.com/office/drawing/2014/main" val="3393469660"/>
+                    </a:ext>
+                  </a:extLst>
+                </a:gridCol>
+                <a:gridCol w="709443">
+                  <a:extLst>
+                    <a:ext uri="{9D8B030D-6E8A-4147-A177-3AD203B41FA5}">
+                      <a16:colId xmlns:a16="http://schemas.microsoft.com/office/drawing/2014/main" val="1046676405"/>
+                    </a:ext>
+                  </a:extLst>
+                </a:gridCol>
+                <a:gridCol w="709443">
+                  <a:extLst>
+                    <a:ext uri="{9D8B030D-6E8A-4147-A177-3AD203B41FA5}">
+                      <a16:colId xmlns:a16="http://schemas.microsoft.com/office/drawing/2014/main" val="414609253"/>
+                    </a:ext>
+                  </a:extLst>
+                </a:gridCol>
+              </a:tblGrid>
+              <a:tr h="370840">
+                <a:tc>
+                  <a:txBody>
+                    <a:bodyPr/>
+                    <a:lstStyle/>
+                    <a:p>
+                      <a:endParaRPr lang="es-CO"/>
+                    </a:p>
+                  </a:txBody>
+                  <a:tcPr/>
+                </a:tc>
+                <a:tc>
+                  <a:txBody>
+                    <a:bodyPr/>
+                    <a:lstStyle/>
+                    <a:p>
+                      <a:endParaRPr lang="es-CO"/>
+                    </a:p>
+                  </a:txBody>
+                  <a:tcPr/>
+                </a:tc>
+                <a:tc>
+                  <a:txBody>
+                    <a:bodyPr/>
+                    <a:lstStyle/>
+                    <a:p>
+                      <a:endParaRPr lang="es-CO"/>
+                    </a:p>
+                  </a:txBody>
+                  <a:tcPr/>
+                </a:tc>
+                <a:tc>
+                  <a:txBody>
+                    <a:bodyPr/>
+                    <a:lstStyle/>
+                    <a:p>
+                      <a:endParaRPr lang="es-CO"/>
+                    </a:p>
+                  </a:txBody>
+                  <a:tcPr/>
+                </a:tc>
+                <a:tc>
+                  <a:txBody>
+                    <a:bodyPr/>
+                    <a:lstStyle/>
+                    <a:p>
+                      <a:endParaRPr lang="es-CO"/>
+                    </a:p>
+                  </a:txBody>
+                  <a:tcPr/>
+                </a:tc>
+                <a:tc>
+                  <a:txBody>
+                    <a:bodyPr/>
+                    <a:lstStyle/>
+                    <a:p>
+                      <a:endParaRPr lang="es-CO"/>
+                    </a:p>
+                  </a:txBody>
+                  <a:tcPr/>
+                </a:tc>
+                <a:extLst>
+                  <a:ext uri="{0D108BD9-81ED-4DB2-BD59-A6C34878D82A}">
+                    <a16:rowId xmlns:a16="http://schemas.microsoft.com/office/drawing/2014/main" val="3158761866"/>
+                  </a:ext>
+                </a:extLst>
+              </a:tr>
+              <a:tr h="370840">
+                <a:tc>
+                  <a:txBody>
+                    <a:bodyPr/>
+                    <a:lstStyle/>
+                    <a:p>
+                      <a:endParaRPr lang="es-CO"/>
+                    </a:p>
+                  </a:txBody>
+                  <a:tcPr/>
+                </a:tc>
+                <a:tc>
+                  <a:txBody>
+                    <a:bodyPr/>
+                    <a:lstStyle/>
+                    <a:p>
+                      <a:endParaRPr lang="es-CO"/>
+                    </a:p>
+                  </a:txBody>
+                  <a:tcPr/>
+                </a:tc>
+                <a:tc>
+                  <a:txBody>
+                    <a:bodyPr/>
+                    <a:lstStyle/>
+                    <a:p>
+                      <a:endParaRPr lang="es-CO"/>
+                    </a:p>
+                  </a:txBody>
+                  <a:tcPr/>
+                </a:tc>
+                <a:tc>
+                  <a:txBody>
+                    <a:bodyPr/>
+                    <a:lstStyle/>
+                    <a:p>
+                      <a:endParaRPr lang="es-CO"/>
+                    </a:p>
+                  </a:txBody>
+                  <a:tcPr/>
+                </a:tc>
+                <a:tc>
+                  <a:txBody>
+                    <a:bodyPr/>
+                    <a:lstStyle/>
+                    <a:p>
+                      <a:endParaRPr lang="es-CO"/>
+                    </a:p>
+                  </a:txBody>
+                  <a:tcPr/>
+                </a:tc>
+                <a:tc>
+                  <a:txBody>
+                    <a:bodyPr/>
+                    <a:lstStyle/>
+                    <a:p>
+                      <a:endParaRPr lang="es-CO"/>
+                    </a:p>
+                  </a:txBody>
+                  <a:tcPr/>
+                </a:tc>
+                <a:extLst>
+                  <a:ext uri="{0D108BD9-81ED-4DB2-BD59-A6C34878D82A}">
+                    <a16:rowId xmlns:a16="http://schemas.microsoft.com/office/drawing/2014/main" val="1485875060"/>
+                  </a:ext>
+                </a:extLst>
+              </a:tr>
+              <a:tr h="370840">
+                <a:tc>
+                  <a:txBody>
+                    <a:bodyPr/>
+                    <a:lstStyle/>
+                    <a:p>
+                      <a:endParaRPr lang="es-CO"/>
+                    </a:p>
+                  </a:txBody>
+                  <a:tcPr/>
+                </a:tc>
+                <a:tc>
+                  <a:txBody>
+                    <a:bodyPr/>
+                    <a:lstStyle/>
+                    <a:p>
+                      <a:endParaRPr lang="es-CO"/>
+                    </a:p>
+                  </a:txBody>
+                  <a:tcPr/>
+                </a:tc>
+                <a:tc>
+                  <a:txBody>
+                    <a:bodyPr/>
+                    <a:lstStyle/>
+                    <a:p>
+                      <a:endParaRPr lang="es-CO"/>
+                    </a:p>
+                  </a:txBody>
+                  <a:tcPr/>
+                </a:tc>
+                <a:tc>
+                  <a:txBody>
+                    <a:bodyPr/>
+                    <a:lstStyle/>
+                    <a:p>
+                      <a:endParaRPr lang="es-CO"/>
+                    </a:p>
+                  </a:txBody>
+                  <a:tcPr/>
+                </a:tc>
+                <a:tc>
+                  <a:txBody>
+                    <a:bodyPr/>
+                    <a:lstStyle/>
+                    <a:p>
+                      <a:endParaRPr lang="es-CO"/>
+                    </a:p>
+                  </a:txBody>
+                  <a:tcPr/>
+                </a:tc>
+                <a:tc>
+                  <a:txBody>
+                    <a:bodyPr/>
+                    <a:lstStyle/>
+                    <a:p>
+                      <a:endParaRPr lang="es-CO"/>
+                    </a:p>
+                  </a:txBody>
+                  <a:tcPr/>
+                </a:tc>
+                <a:extLst>
+                  <a:ext uri="{0D108BD9-81ED-4DB2-BD59-A6C34878D82A}">
+                    <a16:rowId xmlns:a16="http://schemas.microsoft.com/office/drawing/2014/main" val="646489960"/>
+                  </a:ext>
+                </a:extLst>
+              </a:tr>
+              <a:tr h="370840">
+                <a:tc>
+                  <a:txBody>
+                    <a:bodyPr/>
+                    <a:lstStyle/>
+                    <a:p>
+                      <a:endParaRPr lang="es-CO"/>
+                    </a:p>
+                  </a:txBody>
+                  <a:tcPr/>
+                </a:tc>
+                <a:tc>
+                  <a:txBody>
+                    <a:bodyPr/>
+                    <a:lstStyle/>
+                    <a:p>
+                      <a:endParaRPr lang="es-CO"/>
+                    </a:p>
+                  </a:txBody>
+                  <a:tcPr/>
+                </a:tc>
+                <a:tc>
+                  <a:txBody>
+                    <a:bodyPr/>
+                    <a:lstStyle/>
+                    <a:p>
+                      <a:endParaRPr lang="es-CO"/>
+                    </a:p>
+                  </a:txBody>
+                  <a:tcPr/>
+                </a:tc>
+                <a:tc>
+                  <a:txBody>
+                    <a:bodyPr/>
+                    <a:lstStyle/>
+                    <a:p>
+                      <a:endParaRPr lang="es-CO"/>
+                    </a:p>
+                  </a:txBody>
+                  <a:tcPr/>
+                </a:tc>
+                <a:tc>
+                  <a:txBody>
+                    <a:bodyPr/>
+                    <a:lstStyle/>
+                    <a:p>
+                      <a:endParaRPr lang="es-CO"/>
+                    </a:p>
+                  </a:txBody>
+                  <a:tcPr/>
+                </a:tc>
+                <a:tc>
+                  <a:txBody>
+                    <a:bodyPr/>
+                    <a:lstStyle/>
+                    <a:p>
+                      <a:endParaRPr lang="es-CO" dirty="0"/>
+                    </a:p>
+                  </a:txBody>
+                  <a:tcPr/>
+                </a:tc>
+                <a:extLst>
+                  <a:ext uri="{0D108BD9-81ED-4DB2-BD59-A6C34878D82A}">
+                    <a16:rowId xmlns:a16="http://schemas.microsoft.com/office/drawing/2014/main" val="273614638"/>
+                  </a:ext>
+                </a:extLst>
+              </a:tr>
+            </a:tbl>
+          </a:graphicData>
+        </a:graphic>
+      </p:graphicFrame>
+      <p:sp>
+        <p:nvSpPr>
+          <p:cNvPr id="9" name="CuadroTexto 8">
+            <a:extLst>
+              <a:ext uri="{FF2B5EF4-FFF2-40B4-BE49-F238E27FC236}">
+                <a16:creationId xmlns:a16="http://schemas.microsoft.com/office/drawing/2014/main" id="{B302F501-469F-B2B5-8EB3-A7FC4F28C102}"/>
+              </a:ext>
+            </a:extLst>
+          </p:cNvPr>
+          <p:cNvSpPr txBox="1"/>
+          <p:nvPr/>
+        </p:nvSpPr>
+        <p:spPr>
+          <a:xfrm>
+            <a:off x="2708694" y="1827125"/>
+            <a:ext cx="1319841" cy="369332"/>
+          </a:xfrm>
+          <a:prstGeom prst="rect">
+            <a:avLst/>
+          </a:prstGeom>
+          <a:noFill/>
+        </p:spPr>
+        <p:txBody>
+          <a:bodyPr wrap="square" rtlCol="0">
+            <a:spAutoFit/>
+          </a:bodyPr>
+          <a:lstStyle/>
+          <a:p>
+            <a:r>
+              <a:rPr lang="en-US" dirty="0"/>
+              <a:t>Inner join</a:t>
+            </a:r>
+            <a:endParaRPr lang="es-CO" dirty="0"/>
+          </a:p>
+        </p:txBody>
+      </p:sp>
+      <p:cxnSp>
+        <p:nvCxnSpPr>
+          <p:cNvPr id="13" name="Conector recto de flecha 12">
+            <a:extLst>
+              <a:ext uri="{FF2B5EF4-FFF2-40B4-BE49-F238E27FC236}">
+                <a16:creationId xmlns:a16="http://schemas.microsoft.com/office/drawing/2014/main" id="{6C1677DE-9F0E-23B8-A081-B78D01EC221F}"/>
+              </a:ext>
+            </a:extLst>
+          </p:cNvPr>
+          <p:cNvCxnSpPr>
+            <a:endCxn id="8" idx="0"/>
+          </p:cNvCxnSpPr>
+          <p:nvPr/>
+        </p:nvCxnSpPr>
+        <p:spPr>
+          <a:xfrm flipH="1">
+            <a:off x="3536831" y="3428998"/>
+            <a:ext cx="1791896" cy="1031240"/>
+          </a:xfrm>
+          <a:prstGeom prst="straightConnector1">
+            <a:avLst/>
+          </a:prstGeom>
+          <a:ln>
+            <a:tailEnd type="triangle"/>
+          </a:ln>
+        </p:spPr>
+        <p:style>
+          <a:lnRef idx="1">
+            <a:schemeClr val="accent1"/>
+          </a:lnRef>
+          <a:fillRef idx="0">
+            <a:schemeClr val="accent1"/>
+          </a:fillRef>
+          <a:effectRef idx="0">
+            <a:schemeClr val="accent1"/>
+          </a:effectRef>
+          <a:fontRef idx="minor">
+            <a:schemeClr val="tx1"/>
+          </a:fontRef>
+        </p:style>
+      </p:cxnSp>
+      <p:cxnSp>
+        <p:nvCxnSpPr>
+          <p:cNvPr id="15" name="Conector recto de flecha 14">
+            <a:extLst>
+              <a:ext uri="{FF2B5EF4-FFF2-40B4-BE49-F238E27FC236}">
+                <a16:creationId xmlns:a16="http://schemas.microsoft.com/office/drawing/2014/main" id="{6B9E7DB1-A6B4-CE3B-EF1D-088C6E0AED73}"/>
+              </a:ext>
+            </a:extLst>
+          </p:cNvPr>
+          <p:cNvCxnSpPr>
+            <a:endCxn id="8" idx="0"/>
+          </p:cNvCxnSpPr>
+          <p:nvPr/>
+        </p:nvCxnSpPr>
+        <p:spPr>
+          <a:xfrm>
+            <a:off x="1408502" y="3312543"/>
+            <a:ext cx="2128329" cy="1147695"/>
+          </a:xfrm>
+          <a:prstGeom prst="straightConnector1">
+            <a:avLst/>
+          </a:prstGeom>
+          <a:ln>
+            <a:tailEnd type="triangle"/>
+          </a:ln>
+        </p:spPr>
+        <p:style>
+          <a:lnRef idx="1">
+            <a:schemeClr val="accent1"/>
+          </a:lnRef>
+          <a:fillRef idx="0">
+            <a:schemeClr val="accent1"/>
+          </a:fillRef>
+          <a:effectRef idx="0">
+            <a:schemeClr val="accent1"/>
+          </a:effectRef>
+          <a:fontRef idx="minor">
+            <a:schemeClr val="tx1"/>
+          </a:fontRef>
+        </p:style>
+      </p:cxnSp>
+    </p:spTree>
+    <p:extLst>
+      <p:ext uri="{BB962C8B-B14F-4D97-AF65-F5344CB8AC3E}">
+        <p14:creationId xmlns:p14="http://schemas.microsoft.com/office/powerpoint/2010/main" val="2274955386"/>
       </p:ext>
     </p:extLst>
   </p:cSld>
